--- a/computer_science/ai/xai/papers/explaining_explanations_an_overview_of_interpretability_of_machine_learning.pptx
+++ b/computer_science/ai/xai/papers/explaining_explanations_an_overview_of_interpretability_of_machine_learning.pptx
@@ -4,6 +4,9 @@
   <p:sldMasterIdLst>
     <p:sldMasterId id="2147483648" r:id="rId1"/>
   </p:sldMasterIdLst>
+  <p:notesMasterIdLst>
+    <p:notesMasterId r:id="rId33"/>
+  </p:notesMasterIdLst>
   <p:sldIdLst>
     <p:sldId id="256" r:id="rId2"/>
     <p:sldId id="257" r:id="rId3"/>
@@ -23,11 +26,19 @@
     <p:sldId id="277" r:id="rId17"/>
     <p:sldId id="278" r:id="rId18"/>
     <p:sldId id="268" r:id="rId19"/>
-    <p:sldId id="269" r:id="rId20"/>
-    <p:sldId id="270" r:id="rId21"/>
-    <p:sldId id="271" r:id="rId22"/>
-    <p:sldId id="272" r:id="rId23"/>
-    <p:sldId id="273" r:id="rId24"/>
+    <p:sldId id="279" r:id="rId20"/>
+    <p:sldId id="280" r:id="rId21"/>
+    <p:sldId id="281" r:id="rId22"/>
+    <p:sldId id="282" r:id="rId23"/>
+    <p:sldId id="269" r:id="rId24"/>
+    <p:sldId id="283" r:id="rId25"/>
+    <p:sldId id="284" r:id="rId26"/>
+    <p:sldId id="285" r:id="rId27"/>
+    <p:sldId id="270" r:id="rId28"/>
+    <p:sldId id="271" r:id="rId29"/>
+    <p:sldId id="286" r:id="rId30"/>
+    <p:sldId id="272" r:id="rId31"/>
+    <p:sldId id="273" r:id="rId32"/>
   </p:sldIdLst>
   <p:sldSz cx="12192000" cy="6858000"/>
   <p:notesSz cx="6858000" cy="9144000"/>
@@ -126,7 +137,454 @@
       </a:defRPr>
     </a:lvl9pPr>
   </p:defaultTextStyle>
+  <p:extLst>
+    <p:ext uri="{EFAFB233-063F-42B5-8137-9DF3F51BA10A}">
+      <p15:sldGuideLst xmlns:p15="http://schemas.microsoft.com/office/powerpoint/2012/main"/>
+    </p:ext>
+  </p:extLst>
 </p:presentation>
+</file>
+
+<file path=ppt/notesMasters/notesMaster1.xml><?xml version="1.0" encoding="utf-8"?>
+<p:notesMaster xmlns:a="http://schemas.openxmlformats.org/drawingml/2006/main" xmlns:r="http://schemas.openxmlformats.org/officeDocument/2006/relationships" xmlns:p="http://schemas.openxmlformats.org/presentationml/2006/main">
+  <p:cSld>
+    <p:bg>
+      <p:bgRef idx="1001">
+        <a:schemeClr val="bg1"/>
+      </p:bgRef>
+    </p:bg>
+    <p:spTree>
+      <p:nvGrpSpPr>
+        <p:cNvPr id="1" name=""/>
+        <p:cNvGrpSpPr/>
+        <p:nvPr/>
+      </p:nvGrpSpPr>
+      <p:grpSpPr>
+        <a:xfrm>
+          <a:off x="0" y="0"/>
+          <a:ext cx="0" cy="0"/>
+          <a:chOff x="0" y="0"/>
+          <a:chExt cx="0" cy="0"/>
+        </a:xfrm>
+      </p:grpSpPr>
+      <p:sp>
+        <p:nvSpPr>
+          <p:cNvPr id="2" name="页眉占位符 1"/>
+          <p:cNvSpPr>
+            <a:spLocks noGrp="1"/>
+          </p:cNvSpPr>
+          <p:nvPr>
+            <p:ph type="hdr" sz="quarter"/>
+          </p:nvPr>
+        </p:nvSpPr>
+        <p:spPr>
+          <a:xfrm>
+            <a:off x="0" y="0"/>
+            <a:ext cx="2971800" cy="458788"/>
+          </a:xfrm>
+          <a:prstGeom prst="rect">
+            <a:avLst/>
+          </a:prstGeom>
+        </p:spPr>
+        <p:txBody>
+          <a:bodyPr vert="horz" lIns="91440" tIns="45720" rIns="91440" bIns="45720" rtlCol="0"/>
+          <a:lstStyle>
+            <a:lvl1pPr algn="l">
+              <a:defRPr sz="1200"/>
+            </a:lvl1pPr>
+          </a:lstStyle>
+          <a:p>
+            <a:endParaRPr lang="zh-CN" altLang="en-US"/>
+          </a:p>
+        </p:txBody>
+      </p:sp>
+      <p:sp>
+        <p:nvSpPr>
+          <p:cNvPr id="3" name="日期占位符 2"/>
+          <p:cNvSpPr>
+            <a:spLocks noGrp="1"/>
+          </p:cNvSpPr>
+          <p:nvPr>
+            <p:ph type="dt" idx="1"/>
+          </p:nvPr>
+        </p:nvSpPr>
+        <p:spPr>
+          <a:xfrm>
+            <a:off x="3884613" y="0"/>
+            <a:ext cx="2971800" cy="458788"/>
+          </a:xfrm>
+          <a:prstGeom prst="rect">
+            <a:avLst/>
+          </a:prstGeom>
+        </p:spPr>
+        <p:txBody>
+          <a:bodyPr vert="horz" lIns="91440" tIns="45720" rIns="91440" bIns="45720" rtlCol="0"/>
+          <a:lstStyle>
+            <a:lvl1pPr algn="r">
+              <a:defRPr sz="1200"/>
+            </a:lvl1pPr>
+          </a:lstStyle>
+          <a:p>
+            <a:fld id="{226DF3C0-34AC-44FB-AB5E-E052FAC7E5D3}" type="datetimeFigureOut">
+              <a:rPr lang="zh-CN" altLang="en-US" smtClean="0"/>
+              <a:t>2019/4/17</a:t>
+            </a:fld>
+            <a:endParaRPr lang="zh-CN" altLang="en-US"/>
+          </a:p>
+        </p:txBody>
+      </p:sp>
+      <p:sp>
+        <p:nvSpPr>
+          <p:cNvPr id="4" name="幻灯片图像占位符 3"/>
+          <p:cNvSpPr>
+            <a:spLocks noGrp="1" noRot="1" noChangeAspect="1"/>
+          </p:cNvSpPr>
+          <p:nvPr>
+            <p:ph type="sldImg" idx="2"/>
+          </p:nvPr>
+        </p:nvSpPr>
+        <p:spPr>
+          <a:xfrm>
+            <a:off x="685800" y="1143000"/>
+            <a:ext cx="5486400" cy="3086100"/>
+          </a:xfrm>
+          <a:prstGeom prst="rect">
+            <a:avLst/>
+          </a:prstGeom>
+          <a:noFill/>
+          <a:ln w="12700">
+            <a:solidFill>
+              <a:prstClr val="black"/>
+            </a:solidFill>
+          </a:ln>
+        </p:spPr>
+        <p:txBody>
+          <a:bodyPr vert="horz" lIns="91440" tIns="45720" rIns="91440" bIns="45720" rtlCol="0" anchor="ctr"/>
+          <a:lstStyle/>
+          <a:p>
+            <a:endParaRPr lang="zh-CN" altLang="en-US"/>
+          </a:p>
+        </p:txBody>
+      </p:sp>
+      <p:sp>
+        <p:nvSpPr>
+          <p:cNvPr id="5" name="备注占位符 4"/>
+          <p:cNvSpPr>
+            <a:spLocks noGrp="1"/>
+          </p:cNvSpPr>
+          <p:nvPr>
+            <p:ph type="body" sz="quarter" idx="3"/>
+          </p:nvPr>
+        </p:nvSpPr>
+        <p:spPr>
+          <a:xfrm>
+            <a:off x="685800" y="4400550"/>
+            <a:ext cx="5486400" cy="3600450"/>
+          </a:xfrm>
+          <a:prstGeom prst="rect">
+            <a:avLst/>
+          </a:prstGeom>
+        </p:spPr>
+        <p:txBody>
+          <a:bodyPr vert="horz" lIns="91440" tIns="45720" rIns="91440" bIns="45720" rtlCol="0"/>
+          <a:lstStyle/>
+          <a:p>
+            <a:pPr lvl="0"/>
+            <a:r>
+              <a:rPr lang="zh-CN" altLang="en-US" smtClean="0"/>
+              <a:t>编辑母版文本样式</a:t>
+            </a:r>
+          </a:p>
+          <a:p>
+            <a:pPr lvl="1"/>
+            <a:r>
+              <a:rPr lang="zh-CN" altLang="en-US" smtClean="0"/>
+              <a:t>第二级</a:t>
+            </a:r>
+          </a:p>
+          <a:p>
+            <a:pPr lvl="2"/>
+            <a:r>
+              <a:rPr lang="zh-CN" altLang="en-US" smtClean="0"/>
+              <a:t>第三级</a:t>
+            </a:r>
+          </a:p>
+          <a:p>
+            <a:pPr lvl="3"/>
+            <a:r>
+              <a:rPr lang="zh-CN" altLang="en-US" smtClean="0"/>
+              <a:t>第四级</a:t>
+            </a:r>
+          </a:p>
+          <a:p>
+            <a:pPr lvl="4"/>
+            <a:r>
+              <a:rPr lang="zh-CN" altLang="en-US" smtClean="0"/>
+              <a:t>第五级</a:t>
+            </a:r>
+            <a:endParaRPr lang="zh-CN" altLang="en-US"/>
+          </a:p>
+        </p:txBody>
+      </p:sp>
+      <p:sp>
+        <p:nvSpPr>
+          <p:cNvPr id="6" name="页脚占位符 5"/>
+          <p:cNvSpPr>
+            <a:spLocks noGrp="1"/>
+          </p:cNvSpPr>
+          <p:nvPr>
+            <p:ph type="ftr" sz="quarter" idx="4"/>
+          </p:nvPr>
+        </p:nvSpPr>
+        <p:spPr>
+          <a:xfrm>
+            <a:off x="0" y="8685213"/>
+            <a:ext cx="2971800" cy="458787"/>
+          </a:xfrm>
+          <a:prstGeom prst="rect">
+            <a:avLst/>
+          </a:prstGeom>
+        </p:spPr>
+        <p:txBody>
+          <a:bodyPr vert="horz" lIns="91440" tIns="45720" rIns="91440" bIns="45720" rtlCol="0" anchor="b"/>
+          <a:lstStyle>
+            <a:lvl1pPr algn="l">
+              <a:defRPr sz="1200"/>
+            </a:lvl1pPr>
+          </a:lstStyle>
+          <a:p>
+            <a:endParaRPr lang="zh-CN" altLang="en-US"/>
+          </a:p>
+        </p:txBody>
+      </p:sp>
+      <p:sp>
+        <p:nvSpPr>
+          <p:cNvPr id="7" name="灯片编号占位符 6"/>
+          <p:cNvSpPr>
+            <a:spLocks noGrp="1"/>
+          </p:cNvSpPr>
+          <p:nvPr>
+            <p:ph type="sldNum" sz="quarter" idx="5"/>
+          </p:nvPr>
+        </p:nvSpPr>
+        <p:spPr>
+          <a:xfrm>
+            <a:off x="3884613" y="8685213"/>
+            <a:ext cx="2971800" cy="458787"/>
+          </a:xfrm>
+          <a:prstGeom prst="rect">
+            <a:avLst/>
+          </a:prstGeom>
+        </p:spPr>
+        <p:txBody>
+          <a:bodyPr vert="horz" lIns="91440" tIns="45720" rIns="91440" bIns="45720" rtlCol="0" anchor="b"/>
+          <a:lstStyle>
+            <a:lvl1pPr algn="r">
+              <a:defRPr sz="1200"/>
+            </a:lvl1pPr>
+          </a:lstStyle>
+          <a:p>
+            <a:fld id="{106F09A7-660B-4232-B24D-7D329D5B59EF}" type="slidenum">
+              <a:rPr lang="zh-CN" altLang="en-US" smtClean="0"/>
+              <a:t>‹#›</a:t>
+            </a:fld>
+            <a:endParaRPr lang="zh-CN" altLang="en-US"/>
+          </a:p>
+        </p:txBody>
+      </p:sp>
+    </p:spTree>
+    <p:extLst>
+      <p:ext uri="{BB962C8B-B14F-4D97-AF65-F5344CB8AC3E}">
+        <p14:creationId xmlns:p14="http://schemas.microsoft.com/office/powerpoint/2010/main" val="734303284"/>
+      </p:ext>
+    </p:extLst>
+  </p:cSld>
+  <p:clrMap bg1="lt1" tx1="dk1" bg2="lt2" tx2="dk2" accent1="accent1" accent2="accent2" accent3="accent3" accent4="accent4" accent5="accent5" accent6="accent6" hlink="hlink" folHlink="folHlink"/>
+  <p:notesStyle>
+    <a:lvl1pPr marL="0" algn="l" defTabSz="914400" rtl="0" eaLnBrk="1" latinLnBrk="0" hangingPunct="1">
+      <a:defRPr sz="1200" kern="1200">
+        <a:solidFill>
+          <a:schemeClr val="tx1"/>
+        </a:solidFill>
+        <a:latin typeface="+mn-lt"/>
+        <a:ea typeface="+mn-ea"/>
+        <a:cs typeface="+mn-cs"/>
+      </a:defRPr>
+    </a:lvl1pPr>
+    <a:lvl2pPr marL="457200" algn="l" defTabSz="914400" rtl="0" eaLnBrk="1" latinLnBrk="0" hangingPunct="1">
+      <a:defRPr sz="1200" kern="1200">
+        <a:solidFill>
+          <a:schemeClr val="tx1"/>
+        </a:solidFill>
+        <a:latin typeface="+mn-lt"/>
+        <a:ea typeface="+mn-ea"/>
+        <a:cs typeface="+mn-cs"/>
+      </a:defRPr>
+    </a:lvl2pPr>
+    <a:lvl3pPr marL="914400" algn="l" defTabSz="914400" rtl="0" eaLnBrk="1" latinLnBrk="0" hangingPunct="1">
+      <a:defRPr sz="1200" kern="1200">
+        <a:solidFill>
+          <a:schemeClr val="tx1"/>
+        </a:solidFill>
+        <a:latin typeface="+mn-lt"/>
+        <a:ea typeface="+mn-ea"/>
+        <a:cs typeface="+mn-cs"/>
+      </a:defRPr>
+    </a:lvl3pPr>
+    <a:lvl4pPr marL="1371600" algn="l" defTabSz="914400" rtl="0" eaLnBrk="1" latinLnBrk="0" hangingPunct="1">
+      <a:defRPr sz="1200" kern="1200">
+        <a:solidFill>
+          <a:schemeClr val="tx1"/>
+        </a:solidFill>
+        <a:latin typeface="+mn-lt"/>
+        <a:ea typeface="+mn-ea"/>
+        <a:cs typeface="+mn-cs"/>
+      </a:defRPr>
+    </a:lvl4pPr>
+    <a:lvl5pPr marL="1828800" algn="l" defTabSz="914400" rtl="0" eaLnBrk="1" latinLnBrk="0" hangingPunct="1">
+      <a:defRPr sz="1200" kern="1200">
+        <a:solidFill>
+          <a:schemeClr val="tx1"/>
+        </a:solidFill>
+        <a:latin typeface="+mn-lt"/>
+        <a:ea typeface="+mn-ea"/>
+        <a:cs typeface="+mn-cs"/>
+      </a:defRPr>
+    </a:lvl5pPr>
+    <a:lvl6pPr marL="2286000" algn="l" defTabSz="914400" rtl="0" eaLnBrk="1" latinLnBrk="0" hangingPunct="1">
+      <a:defRPr sz="1200" kern="1200">
+        <a:solidFill>
+          <a:schemeClr val="tx1"/>
+        </a:solidFill>
+        <a:latin typeface="+mn-lt"/>
+        <a:ea typeface="+mn-ea"/>
+        <a:cs typeface="+mn-cs"/>
+      </a:defRPr>
+    </a:lvl6pPr>
+    <a:lvl7pPr marL="2743200" algn="l" defTabSz="914400" rtl="0" eaLnBrk="1" latinLnBrk="0" hangingPunct="1">
+      <a:defRPr sz="1200" kern="1200">
+        <a:solidFill>
+          <a:schemeClr val="tx1"/>
+        </a:solidFill>
+        <a:latin typeface="+mn-lt"/>
+        <a:ea typeface="+mn-ea"/>
+        <a:cs typeface="+mn-cs"/>
+      </a:defRPr>
+    </a:lvl7pPr>
+    <a:lvl8pPr marL="3200400" algn="l" defTabSz="914400" rtl="0" eaLnBrk="1" latinLnBrk="0" hangingPunct="1">
+      <a:defRPr sz="1200" kern="1200">
+        <a:solidFill>
+          <a:schemeClr val="tx1"/>
+        </a:solidFill>
+        <a:latin typeface="+mn-lt"/>
+        <a:ea typeface="+mn-ea"/>
+        <a:cs typeface="+mn-cs"/>
+      </a:defRPr>
+    </a:lvl8pPr>
+    <a:lvl9pPr marL="3657600" algn="l" defTabSz="914400" rtl="0" eaLnBrk="1" latinLnBrk="0" hangingPunct="1">
+      <a:defRPr sz="1200" kern="1200">
+        <a:solidFill>
+          <a:schemeClr val="tx1"/>
+        </a:solidFill>
+        <a:latin typeface="+mn-lt"/>
+        <a:ea typeface="+mn-ea"/>
+        <a:cs typeface="+mn-cs"/>
+      </a:defRPr>
+    </a:lvl9pPr>
+  </p:notesStyle>
+</p:notesMaster>
+</file>
+
+<file path=ppt/notesSlides/notesSlide1.xml><?xml version="1.0" encoding="utf-8"?>
+<p:notes xmlns:a="http://schemas.openxmlformats.org/drawingml/2006/main" xmlns:r="http://schemas.openxmlformats.org/officeDocument/2006/relationships" xmlns:p="http://schemas.openxmlformats.org/presentationml/2006/main">
+  <p:cSld>
+    <p:spTree>
+      <p:nvGrpSpPr>
+        <p:cNvPr id="1" name=""/>
+        <p:cNvGrpSpPr/>
+        <p:nvPr/>
+      </p:nvGrpSpPr>
+      <p:grpSpPr>
+        <a:xfrm>
+          <a:off x="0" y="0"/>
+          <a:ext cx="0" cy="0"/>
+          <a:chOff x="0" y="0"/>
+          <a:chExt cx="0" cy="0"/>
+        </a:xfrm>
+      </p:grpSpPr>
+      <p:sp>
+        <p:nvSpPr>
+          <p:cNvPr id="2" name="幻灯片图像占位符 1"/>
+          <p:cNvSpPr>
+            <a:spLocks noGrp="1" noRot="1" noChangeAspect="1"/>
+          </p:cNvSpPr>
+          <p:nvPr>
+            <p:ph type="sldImg"/>
+          </p:nvPr>
+        </p:nvSpPr>
+        <p:spPr/>
+      </p:sp>
+      <p:sp>
+        <p:nvSpPr>
+          <p:cNvPr id="3" name="备注占位符 2"/>
+          <p:cNvSpPr>
+            <a:spLocks noGrp="1"/>
+          </p:cNvSpPr>
+          <p:nvPr>
+            <p:ph type="body" idx="1"/>
+          </p:nvPr>
+        </p:nvSpPr>
+        <p:spPr/>
+        <p:txBody>
+          <a:bodyPr/>
+          <a:lstStyle/>
+          <a:p>
+            <a:r>
+              <a:rPr lang="en-US" altLang="zh-CN" sz="1200" dirty="0" smtClean="0"/>
+              <a:t>Model-Agnostic</a:t>
+            </a:r>
+            <a:r>
+              <a:rPr lang="zh-CN" altLang="en-US" sz="1200" dirty="0" smtClean="0"/>
+              <a:t>：模型不可知论</a:t>
+            </a:r>
+            <a:endParaRPr lang="zh-CN" altLang="en-US" dirty="0"/>
+          </a:p>
+        </p:txBody>
+      </p:sp>
+      <p:sp>
+        <p:nvSpPr>
+          <p:cNvPr id="4" name="灯片编号占位符 3"/>
+          <p:cNvSpPr>
+            <a:spLocks noGrp="1"/>
+          </p:cNvSpPr>
+          <p:nvPr>
+            <p:ph type="sldNum" sz="quarter" idx="10"/>
+          </p:nvPr>
+        </p:nvSpPr>
+        <p:spPr/>
+        <p:txBody>
+          <a:bodyPr/>
+          <a:lstStyle/>
+          <a:p>
+            <a:fld id="{106F09A7-660B-4232-B24D-7D329D5B59EF}" type="slidenum">
+              <a:rPr lang="zh-CN" altLang="en-US" smtClean="0"/>
+              <a:t>13</a:t>
+            </a:fld>
+            <a:endParaRPr lang="zh-CN" altLang="en-US"/>
+          </a:p>
+        </p:txBody>
+      </p:sp>
+    </p:spTree>
+    <p:extLst>
+      <p:ext uri="{BB962C8B-B14F-4D97-AF65-F5344CB8AC3E}">
+        <p14:creationId xmlns:p14="http://schemas.microsoft.com/office/powerpoint/2010/main" val="4268297530"/>
+      </p:ext>
+    </p:extLst>
+  </p:cSld>
+  <p:clrMapOvr>
+    <a:masterClrMapping/>
+  </p:clrMapOvr>
+</p:notes>
 </file>
 
 <file path=ppt/slideLayouts/slideLayout1.xml><?xml version="1.0" encoding="utf-8"?>
@@ -260,7 +718,7 @@
           <a:p>
             <a:fld id="{35E5B17D-9EE7-405D-B728-FB6085396E1E}" type="datetimeFigureOut">
               <a:rPr lang="zh-CN" altLang="en-US" smtClean="0"/>
-              <a:t>2019/4/11</a:t>
+              <a:t>2019/4/17</a:t>
             </a:fld>
             <a:endParaRPr lang="zh-CN" altLang="en-US"/>
           </a:p>
@@ -430,7 +888,7 @@
           <a:p>
             <a:fld id="{35E5B17D-9EE7-405D-B728-FB6085396E1E}" type="datetimeFigureOut">
               <a:rPr lang="zh-CN" altLang="en-US" smtClean="0"/>
-              <a:t>2019/4/11</a:t>
+              <a:t>2019/4/17</a:t>
             </a:fld>
             <a:endParaRPr lang="zh-CN" altLang="en-US"/>
           </a:p>
@@ -610,7 +1068,7 @@
           <a:p>
             <a:fld id="{35E5B17D-9EE7-405D-B728-FB6085396E1E}" type="datetimeFigureOut">
               <a:rPr lang="zh-CN" altLang="en-US" smtClean="0"/>
-              <a:t>2019/4/11</a:t>
+              <a:t>2019/4/17</a:t>
             </a:fld>
             <a:endParaRPr lang="zh-CN" altLang="en-US"/>
           </a:p>
@@ -790,7 +1248,7 @@
           <a:p>
             <a:fld id="{35E5B17D-9EE7-405D-B728-FB6085396E1E}" type="datetimeFigureOut">
               <a:rPr lang="zh-CN" altLang="en-US" smtClean="0"/>
-              <a:t>2019/4/11</a:t>
+              <a:t>2019/4/17</a:t>
             </a:fld>
             <a:endParaRPr lang="zh-CN" altLang="en-US"/>
           </a:p>
@@ -1036,7 +1494,7 @@
           <a:p>
             <a:fld id="{35E5B17D-9EE7-405D-B728-FB6085396E1E}" type="datetimeFigureOut">
               <a:rPr lang="zh-CN" altLang="en-US" smtClean="0"/>
-              <a:t>2019/4/11</a:t>
+              <a:t>2019/4/17</a:t>
             </a:fld>
             <a:endParaRPr lang="zh-CN" altLang="en-US"/>
           </a:p>
@@ -1268,7 +1726,7 @@
           <a:p>
             <a:fld id="{35E5B17D-9EE7-405D-B728-FB6085396E1E}" type="datetimeFigureOut">
               <a:rPr lang="zh-CN" altLang="en-US" smtClean="0"/>
-              <a:t>2019/4/11</a:t>
+              <a:t>2019/4/17</a:t>
             </a:fld>
             <a:endParaRPr lang="zh-CN" altLang="en-US"/>
           </a:p>
@@ -1635,7 +2093,7 @@
           <a:p>
             <a:fld id="{35E5B17D-9EE7-405D-B728-FB6085396E1E}" type="datetimeFigureOut">
               <a:rPr lang="zh-CN" altLang="en-US" smtClean="0"/>
-              <a:t>2019/4/11</a:t>
+              <a:t>2019/4/17</a:t>
             </a:fld>
             <a:endParaRPr lang="zh-CN" altLang="en-US"/>
           </a:p>
@@ -1753,7 +2211,7 @@
           <a:p>
             <a:fld id="{35E5B17D-9EE7-405D-B728-FB6085396E1E}" type="datetimeFigureOut">
               <a:rPr lang="zh-CN" altLang="en-US" smtClean="0"/>
-              <a:t>2019/4/11</a:t>
+              <a:t>2019/4/17</a:t>
             </a:fld>
             <a:endParaRPr lang="zh-CN" altLang="en-US"/>
           </a:p>
@@ -1848,7 +2306,7 @@
           <a:p>
             <a:fld id="{35E5B17D-9EE7-405D-B728-FB6085396E1E}" type="datetimeFigureOut">
               <a:rPr lang="zh-CN" altLang="en-US" smtClean="0"/>
-              <a:t>2019/4/11</a:t>
+              <a:t>2019/4/17</a:t>
             </a:fld>
             <a:endParaRPr lang="zh-CN" altLang="en-US"/>
           </a:p>
@@ -2125,7 +2583,7 @@
           <a:p>
             <a:fld id="{35E5B17D-9EE7-405D-B728-FB6085396E1E}" type="datetimeFigureOut">
               <a:rPr lang="zh-CN" altLang="en-US" smtClean="0"/>
-              <a:t>2019/4/11</a:t>
+              <a:t>2019/4/17</a:t>
             </a:fld>
             <a:endParaRPr lang="zh-CN" altLang="en-US"/>
           </a:p>
@@ -2378,7 +2836,7 @@
           <a:p>
             <a:fld id="{35E5B17D-9EE7-405D-B728-FB6085396E1E}" type="datetimeFigureOut">
               <a:rPr lang="zh-CN" altLang="en-US" smtClean="0"/>
-              <a:t>2019/4/11</a:t>
+              <a:t>2019/4/17</a:t>
             </a:fld>
             <a:endParaRPr lang="zh-CN" altLang="en-US"/>
           </a:p>
@@ -2591,7 +3049,7 @@
           <a:p>
             <a:fld id="{35E5B17D-9EE7-405D-B728-FB6085396E1E}" type="datetimeFigureOut">
               <a:rPr lang="zh-CN" altLang="en-US" smtClean="0"/>
-              <a:t>2019/4/11</a:t>
+              <a:t>2019/4/17</a:t>
             </a:fld>
             <a:endParaRPr lang="zh-CN" altLang="en-US"/>
           </a:p>
@@ -3546,13 +4004,8 @@
           <a:p>
             <a:r>
               <a:rPr lang="en-US" altLang="zh-CN" sz="3200" dirty="0" smtClean="0"/>
-              <a:t>LIME (</a:t>
-            </a:r>
-            <a:r>
-              <a:rPr lang="en-US" altLang="zh-CN" sz="3200" dirty="0" smtClean="0"/>
-              <a:t>Local Interpretable Model-Agnostic Explanations)</a:t>
-            </a:r>
-            <a:endParaRPr lang="en-US" altLang="zh-CN" sz="3200" dirty="0" smtClean="0"/>
+              <a:t>LIME (Local Interpretable Model-Agnostic Explanations)</a:t>
+            </a:r>
           </a:p>
           <a:p>
             <a:pPr lvl="1"/>
@@ -4092,11 +4545,7 @@
             <a:pPr lvl="1"/>
             <a:r>
               <a:rPr lang="en-US" altLang="zh-CN" dirty="0" smtClean="0"/>
-              <a:t>Try</a:t>
-            </a:r>
-            <a:r>
-              <a:rPr lang="en-US" altLang="zh-CN" dirty="0" smtClean="0"/>
-              <a:t> to find rules that explain single neurons by clustering and ignoring insignificant neurons.</a:t>
+              <a:t>Try to find rules that explain single neurons by clustering and ignoring insignificant neurons.</a:t>
             </a:r>
             <a:endParaRPr lang="zh-CN" altLang="en-US" dirty="0" smtClean="0"/>
           </a:p>
@@ -4207,7 +4656,11 @@
           <a:p>
             <a:r>
               <a:rPr lang="en-US" altLang="zh-CN" dirty="0"/>
-              <a:t>where </a:t>
+              <a:t>W</a:t>
+            </a:r>
+            <a:r>
+              <a:rPr lang="en-US" altLang="zh-CN" dirty="0" smtClean="0"/>
+              <a:t>here </a:t>
             </a:r>
             <a:r>
               <a:rPr lang="en-US" altLang="zh-CN" dirty="0" smtClean="0"/>
@@ -4512,8 +4965,8 @@
           <a:lstStyle/>
           <a:p>
             <a:r>
-              <a:rPr lang="en-US" altLang="zh-CN" i="1" dirty="0"/>
-              <a:t>Explanation-Producing Systems</a:t>
+              <a:rPr lang="en-US" altLang="zh-CN" dirty="0" smtClean="0"/>
+              <a:t>Role of Layers</a:t>
             </a:r>
             <a:endParaRPr lang="zh-CN" altLang="en-US" dirty="0"/>
           </a:p>
@@ -4535,28 +4988,53 @@
           <a:lstStyle/>
           <a:p>
             <a:r>
-              <a:rPr lang="en-US" altLang="zh-CN" i="1" dirty="0"/>
-              <a:t>Attention </a:t>
-            </a:r>
-            <a:r>
-              <a:rPr lang="en-US" altLang="zh-CN" i="1" dirty="0" smtClean="0"/>
-              <a:t>Networks</a:t>
-            </a:r>
-          </a:p>
-          <a:p>
-            <a:r>
-              <a:rPr lang="en-US" altLang="zh-CN" i="1" dirty="0"/>
-              <a:t>Disentangled </a:t>
-            </a:r>
-            <a:r>
-              <a:rPr lang="en-US" altLang="zh-CN" i="1" dirty="0" smtClean="0"/>
-              <a:t>Representations</a:t>
-            </a:r>
-          </a:p>
-          <a:p>
-            <a:r>
-              <a:rPr lang="en-US" altLang="zh-CN" i="1" dirty="0"/>
-              <a:t>Generated Explanations</a:t>
+              <a:rPr lang="en-US" altLang="zh-CN" dirty="0"/>
+              <a:t>Layers can be understood by </a:t>
+            </a:r>
+            <a:r>
+              <a:rPr lang="en-US" altLang="zh-CN" dirty="0" smtClean="0"/>
+              <a:t>testing their </a:t>
+            </a:r>
+            <a:r>
+              <a:rPr lang="en-US" altLang="zh-CN" dirty="0"/>
+              <a:t>ability to help solve </a:t>
+            </a:r>
+            <a:r>
+              <a:rPr lang="en-US" altLang="zh-CN" dirty="0">
+                <a:solidFill>
+                  <a:srgbClr val="FF0000"/>
+                </a:solidFill>
+              </a:rPr>
+              <a:t>different problems </a:t>
+            </a:r>
+            <a:r>
+              <a:rPr lang="en-US" altLang="zh-CN" dirty="0"/>
+              <a:t>from the </a:t>
+            </a:r>
+            <a:r>
+              <a:rPr lang="en-US" altLang="zh-CN" dirty="0" smtClean="0"/>
+              <a:t>problems the </a:t>
+            </a:r>
+            <a:r>
+              <a:rPr lang="en-US" altLang="zh-CN" dirty="0"/>
+              <a:t>network was originally trained on</a:t>
+            </a:r>
+            <a:r>
+              <a:rPr lang="en-US" altLang="zh-CN" dirty="0" smtClean="0"/>
+              <a:t>.</a:t>
+            </a:r>
+          </a:p>
+          <a:p>
+            <a:r>
+              <a:rPr lang="en-US" altLang="zh-CN" dirty="0" smtClean="0"/>
+              <a:t>Transfer Learning</a:t>
+            </a:r>
+          </a:p>
+          <a:p>
+            <a:pPr lvl="1"/>
+            <a:r>
+              <a:rPr lang="en-US" altLang="zh-CN" dirty="0"/>
+              <a:t>This method of using a layer from one network to solve a new problem is called transfer learning,</a:t>
             </a:r>
             <a:endParaRPr lang="zh-CN" altLang="en-US" dirty="0"/>
           </a:p>
@@ -4565,20 +5043,13 @@
     </p:spTree>
     <p:extLst>
       <p:ext uri="{BB962C8B-B14F-4D97-AF65-F5344CB8AC3E}">
-        <p14:creationId xmlns:p14="http://schemas.microsoft.com/office/powerpoint/2010/main" val="1085771148"/>
+        <p14:creationId xmlns:p14="http://schemas.microsoft.com/office/powerpoint/2010/main" val="1972770067"/>
       </p:ext>
     </p:extLst>
   </p:cSld>
   <p:clrMapOvr>
     <a:masterClrMapping/>
   </p:clrMapOvr>
-  <p:timing>
-    <p:tnLst>
-      <p:par>
-        <p:cTn id="1" dur="indefinite" restart="never" nodeType="tmRoot"/>
-      </p:par>
-    </p:tnLst>
-  </p:timing>
 </p:sld>
 </file>
 
@@ -4706,6 +5177,1070 @@
         </p:nvSpPr>
         <p:spPr/>
         <p:txBody>
+          <a:bodyPr>
+            <a:normAutofit/>
+          </a:bodyPr>
+          <a:lstStyle/>
+          <a:p>
+            <a:r>
+              <a:rPr lang="en-US" altLang="zh-CN" dirty="0" smtClean="0"/>
+              <a:t>Role of Individual Units</a:t>
+            </a:r>
+            <a:endParaRPr lang="zh-CN" altLang="en-US" dirty="0"/>
+          </a:p>
+        </p:txBody>
+      </p:sp>
+      <p:sp>
+        <p:nvSpPr>
+          <p:cNvPr id="3" name="内容占位符 2"/>
+          <p:cNvSpPr>
+            <a:spLocks noGrp="1"/>
+          </p:cNvSpPr>
+          <p:nvPr>
+            <p:ph idx="1"/>
+          </p:nvPr>
+        </p:nvSpPr>
+        <p:spPr/>
+        <p:txBody>
+          <a:bodyPr>
+            <a:normAutofit fontScale="92500"/>
+          </a:bodyPr>
+          <a:lstStyle/>
+          <a:p>
+            <a:r>
+              <a:rPr lang="en-US" altLang="zh-CN" sz="2400" dirty="0"/>
+              <a:t>The information within a layer can be further subdivided into </a:t>
+            </a:r>
+            <a:r>
+              <a:rPr lang="en-US" altLang="zh-CN" sz="2400" dirty="0">
+                <a:solidFill>
+                  <a:srgbClr val="FF0000"/>
+                </a:solidFill>
+              </a:rPr>
+              <a:t>individual neurons </a:t>
+            </a:r>
+            <a:r>
+              <a:rPr lang="en-US" altLang="zh-CN" sz="2400" dirty="0"/>
+              <a:t>or </a:t>
+            </a:r>
+            <a:r>
+              <a:rPr lang="en-US" altLang="zh-CN" sz="2400" dirty="0">
+                <a:solidFill>
+                  <a:srgbClr val="FF0000"/>
+                </a:solidFill>
+              </a:rPr>
+              <a:t>individual </a:t>
+            </a:r>
+            <a:r>
+              <a:rPr lang="en-US" altLang="zh-CN" sz="2400" dirty="0" smtClean="0">
+                <a:solidFill>
+                  <a:srgbClr val="FF0000"/>
+                </a:solidFill>
+              </a:rPr>
+              <a:t>convolutional </a:t>
+            </a:r>
+            <a:r>
+              <a:rPr lang="en-US" altLang="zh-CN" sz="2400" dirty="0">
+                <a:solidFill>
+                  <a:srgbClr val="FF0000"/>
+                </a:solidFill>
+              </a:rPr>
+              <a:t>filters</a:t>
+            </a:r>
+            <a:r>
+              <a:rPr lang="en-US" altLang="zh-CN" sz="2400" dirty="0" smtClean="0"/>
+              <a:t>.</a:t>
+            </a:r>
+          </a:p>
+          <a:p>
+            <a:r>
+              <a:rPr lang="en-US" altLang="zh-CN" sz="2400" dirty="0" smtClean="0"/>
+              <a:t>Qualitatively</a:t>
+            </a:r>
+            <a:endParaRPr lang="en-US" altLang="zh-CN" dirty="0"/>
+          </a:p>
+          <a:p>
+            <a:pPr lvl="1"/>
+            <a:r>
+              <a:rPr lang="en-US" altLang="zh-CN" dirty="0"/>
+              <a:t>B</a:t>
+            </a:r>
+            <a:r>
+              <a:rPr lang="en-US" altLang="zh-CN" dirty="0" smtClean="0"/>
+              <a:t>y </a:t>
+            </a:r>
+            <a:r>
+              <a:rPr lang="en-US" altLang="zh-CN" dirty="0"/>
+              <a:t>creating </a:t>
+            </a:r>
+            <a:r>
+              <a:rPr lang="en-US" altLang="zh-CN" dirty="0">
+                <a:solidFill>
+                  <a:srgbClr val="FF0000"/>
+                </a:solidFill>
+              </a:rPr>
+              <a:t>visualizations</a:t>
+            </a:r>
+            <a:r>
+              <a:rPr lang="en-US" altLang="zh-CN" dirty="0"/>
+              <a:t> of </a:t>
+            </a:r>
+            <a:r>
+              <a:rPr lang="en-US" altLang="zh-CN" dirty="0" smtClean="0"/>
+              <a:t>the input </a:t>
+            </a:r>
+            <a:r>
+              <a:rPr lang="en-US" altLang="zh-CN" dirty="0"/>
+              <a:t>patterns that maximize the response of a single </a:t>
+            </a:r>
+            <a:r>
+              <a:rPr lang="en-US" altLang="zh-CN" dirty="0" smtClean="0"/>
+              <a:t>unit.</a:t>
+            </a:r>
+          </a:p>
+          <a:p>
+            <a:pPr lvl="1"/>
+            <a:r>
+              <a:rPr lang="en-US" altLang="zh-CN" dirty="0"/>
+              <a:t>Visualizations can be created by optimizing an input image using gradient </a:t>
+            </a:r>
+            <a:r>
+              <a:rPr lang="en-US" altLang="zh-CN" dirty="0" smtClean="0"/>
+              <a:t>descent, </a:t>
+            </a:r>
+            <a:r>
+              <a:rPr lang="en-US" altLang="zh-CN" dirty="0"/>
+              <a:t>by sampling images that maximize </a:t>
+            </a:r>
+            <a:r>
+              <a:rPr lang="en-US" altLang="zh-CN" dirty="0" smtClean="0"/>
+              <a:t>activation, </a:t>
+            </a:r>
+            <a:r>
+              <a:rPr lang="en-US" altLang="zh-CN" dirty="0"/>
+              <a:t>or by training a generative network to create such </a:t>
+            </a:r>
+            <a:r>
+              <a:rPr lang="en-US" altLang="zh-CN" dirty="0" smtClean="0"/>
+              <a:t>images.</a:t>
+            </a:r>
+          </a:p>
+          <a:p>
+            <a:r>
+              <a:rPr lang="en-US" altLang="zh-CN" sz="2400" dirty="0" smtClean="0"/>
+              <a:t>Quantitatively</a:t>
+            </a:r>
+          </a:p>
+          <a:p>
+            <a:pPr lvl="1"/>
+            <a:r>
+              <a:rPr lang="en-US" altLang="zh-CN" dirty="0" smtClean="0"/>
+              <a:t>By </a:t>
+            </a:r>
+            <a:r>
+              <a:rPr lang="en-US" altLang="zh-CN" dirty="0"/>
+              <a:t>testing the ability of a unit to solve a </a:t>
+            </a:r>
+            <a:r>
+              <a:rPr lang="en-US" altLang="zh-CN" dirty="0" smtClean="0"/>
+              <a:t>transfer problem.</a:t>
+            </a:r>
+          </a:p>
+          <a:p>
+            <a:pPr lvl="1"/>
+            <a:r>
+              <a:rPr lang="en-US" altLang="zh-CN" dirty="0"/>
+              <a:t>Units can also be </a:t>
+            </a:r>
+            <a:r>
+              <a:rPr lang="en-US" altLang="zh-CN" dirty="0" smtClean="0"/>
+              <a:t>characterized quantitatively </a:t>
+            </a:r>
+            <a:r>
+              <a:rPr lang="en-US" altLang="zh-CN" dirty="0"/>
+              <a:t>by testing their ability to solve a task</a:t>
+            </a:r>
+            <a:r>
+              <a:rPr lang="en-US" altLang="zh-CN" dirty="0" smtClean="0"/>
+              <a:t>.</a:t>
+            </a:r>
+          </a:p>
+          <a:p>
+            <a:pPr lvl="1"/>
+            <a:r>
+              <a:rPr lang="en-US" altLang="zh-CN" sz="2600" dirty="0" smtClean="0"/>
+              <a:t>Network Dissection</a:t>
+            </a:r>
+          </a:p>
+          <a:p>
+            <a:endParaRPr lang="en-US" altLang="zh-CN" sz="2400" dirty="0" smtClean="0"/>
+          </a:p>
+          <a:p>
+            <a:endParaRPr lang="zh-CN" altLang="en-US" sz="2400" dirty="0"/>
+          </a:p>
+        </p:txBody>
+      </p:sp>
+    </p:spTree>
+    <p:extLst>
+      <p:ext uri="{BB962C8B-B14F-4D97-AF65-F5344CB8AC3E}">
+        <p14:creationId xmlns:p14="http://schemas.microsoft.com/office/powerpoint/2010/main" val="786486845"/>
+      </p:ext>
+    </p:extLst>
+  </p:cSld>
+  <p:clrMapOvr>
+    <a:masterClrMapping/>
+  </p:clrMapOvr>
+</p:sld>
+</file>
+
+<file path=ppt/slides/slide21.xml><?xml version="1.0" encoding="utf-8"?>
+<p:sld xmlns:a="http://schemas.openxmlformats.org/drawingml/2006/main" xmlns:r="http://schemas.openxmlformats.org/officeDocument/2006/relationships" xmlns:p="http://schemas.openxmlformats.org/presentationml/2006/main">
+  <p:cSld>
+    <p:spTree>
+      <p:nvGrpSpPr>
+        <p:cNvPr id="1" name=""/>
+        <p:cNvGrpSpPr/>
+        <p:nvPr/>
+      </p:nvGrpSpPr>
+      <p:grpSpPr>
+        <a:xfrm>
+          <a:off x="0" y="0"/>
+          <a:ext cx="0" cy="0"/>
+          <a:chOff x="0" y="0"/>
+          <a:chExt cx="0" cy="0"/>
+        </a:xfrm>
+      </p:grpSpPr>
+      <p:sp>
+        <p:nvSpPr>
+          <p:cNvPr id="2" name="标题 1"/>
+          <p:cNvSpPr>
+            <a:spLocks noGrp="1"/>
+          </p:cNvSpPr>
+          <p:nvPr>
+            <p:ph type="title"/>
+          </p:nvPr>
+        </p:nvSpPr>
+        <p:spPr/>
+        <p:txBody>
+          <a:bodyPr>
+            <a:normAutofit/>
+          </a:bodyPr>
+          <a:lstStyle/>
+          <a:p>
+            <a:pPr lvl="1" algn="l" rtl="0">
+              <a:lnSpc>
+                <a:spcPct val="90000"/>
+              </a:lnSpc>
+              <a:spcBef>
+                <a:spcPct val="0"/>
+              </a:spcBef>
+            </a:pPr>
+            <a:r>
+              <a:rPr lang="en-US" altLang="zh-CN" sz="4800" dirty="0" smtClean="0"/>
+              <a:t>Network Dissection</a:t>
+            </a:r>
+            <a:endParaRPr lang="zh-CN" altLang="en-US" sz="4800" dirty="0"/>
+          </a:p>
+        </p:txBody>
+      </p:sp>
+      <p:sp>
+        <p:nvSpPr>
+          <p:cNvPr id="3" name="内容占位符 2"/>
+          <p:cNvSpPr>
+            <a:spLocks noGrp="1"/>
+          </p:cNvSpPr>
+          <p:nvPr>
+            <p:ph idx="1"/>
+          </p:nvPr>
+        </p:nvSpPr>
+        <p:spPr/>
+        <p:txBody>
+          <a:bodyPr>
+            <a:normAutofit lnSpcReduction="10000"/>
+          </a:bodyPr>
+          <a:lstStyle/>
+          <a:p>
+            <a:r>
+              <a:rPr lang="en-US" altLang="zh-CN" dirty="0"/>
+              <a:t>One example of a such a method is network dissection [51], which measures the ability of individual units solve a </a:t>
+            </a:r>
+            <a:r>
+              <a:rPr lang="en-US" altLang="zh-CN" dirty="0" smtClean="0">
+                <a:solidFill>
+                  <a:srgbClr val="FF0000"/>
+                </a:solidFill>
+              </a:rPr>
+              <a:t>segmentation problem</a:t>
+            </a:r>
+            <a:r>
+              <a:rPr lang="en-US" altLang="zh-CN" dirty="0" smtClean="0"/>
+              <a:t> </a:t>
+            </a:r>
+            <a:r>
+              <a:rPr lang="en-US" altLang="zh-CN" dirty="0"/>
+              <a:t>over a broad set of labeled visual concepts. By quantifying the ability of individual units to </a:t>
+            </a:r>
+            <a:r>
+              <a:rPr lang="en-US" altLang="zh-CN" dirty="0">
+                <a:solidFill>
+                  <a:srgbClr val="FF0000"/>
+                </a:solidFill>
+              </a:rPr>
+              <a:t>locate emergent concepts</a:t>
+            </a:r>
+            <a:r>
+              <a:rPr lang="en-US" altLang="zh-CN" dirty="0"/>
+              <a:t> such as objects, parts, textures, and colors that are </a:t>
+            </a:r>
+            <a:r>
+              <a:rPr lang="en-US" altLang="zh-CN" dirty="0">
+                <a:solidFill>
+                  <a:srgbClr val="FF0000"/>
+                </a:solidFill>
+              </a:rPr>
+              <a:t>not explicit in the original training set</a:t>
+            </a:r>
+            <a:r>
+              <a:rPr lang="en-US" altLang="zh-CN" dirty="0"/>
+              <a:t>, network dissection can be used characterize the kind of information represented by visual networks at each unit of a network.</a:t>
+            </a:r>
+            <a:endParaRPr lang="zh-CN" altLang="en-US" dirty="0"/>
+          </a:p>
+        </p:txBody>
+      </p:sp>
+    </p:spTree>
+    <p:extLst>
+      <p:ext uri="{BB962C8B-B14F-4D97-AF65-F5344CB8AC3E}">
+        <p14:creationId xmlns:p14="http://schemas.microsoft.com/office/powerpoint/2010/main" val="3096770340"/>
+      </p:ext>
+    </p:extLst>
+  </p:cSld>
+  <p:clrMapOvr>
+    <a:masterClrMapping/>
+  </p:clrMapOvr>
+</p:sld>
+</file>
+
+<file path=ppt/slides/slide22.xml><?xml version="1.0" encoding="utf-8"?>
+<p:sld xmlns:a="http://schemas.openxmlformats.org/drawingml/2006/main" xmlns:r="http://schemas.openxmlformats.org/officeDocument/2006/relationships" xmlns:p="http://schemas.openxmlformats.org/presentationml/2006/main">
+  <p:cSld>
+    <p:spTree>
+      <p:nvGrpSpPr>
+        <p:cNvPr id="1" name=""/>
+        <p:cNvGrpSpPr/>
+        <p:nvPr/>
+      </p:nvGrpSpPr>
+      <p:grpSpPr>
+        <a:xfrm>
+          <a:off x="0" y="0"/>
+          <a:ext cx="0" cy="0"/>
+          <a:chOff x="0" y="0"/>
+          <a:chExt cx="0" cy="0"/>
+        </a:xfrm>
+      </p:grpSpPr>
+      <p:sp>
+        <p:nvSpPr>
+          <p:cNvPr id="2" name="标题 1"/>
+          <p:cNvSpPr>
+            <a:spLocks noGrp="1"/>
+          </p:cNvSpPr>
+          <p:nvPr>
+            <p:ph type="title"/>
+          </p:nvPr>
+        </p:nvSpPr>
+        <p:spPr/>
+        <p:txBody>
+          <a:bodyPr/>
+          <a:lstStyle/>
+          <a:p>
+            <a:r>
+              <a:rPr lang="en-US" altLang="zh-CN" dirty="0" smtClean="0"/>
+              <a:t>Role of Representation Vectors</a:t>
+            </a:r>
+            <a:endParaRPr lang="zh-CN" altLang="en-US" dirty="0"/>
+          </a:p>
+        </p:txBody>
+      </p:sp>
+      <p:sp>
+        <p:nvSpPr>
+          <p:cNvPr id="3" name="内容占位符 2"/>
+          <p:cNvSpPr>
+            <a:spLocks noGrp="1"/>
+          </p:cNvSpPr>
+          <p:nvPr>
+            <p:ph idx="1"/>
+          </p:nvPr>
+        </p:nvSpPr>
+        <p:spPr/>
+        <p:txBody>
+          <a:bodyPr/>
+          <a:lstStyle/>
+          <a:p>
+            <a:r>
+              <a:rPr lang="en-US" altLang="zh-CN" dirty="0"/>
+              <a:t>Concept Activation Vectors (CAVs) [54] are a framework for interpretation of a neural nets representations by identifying and probing directions that align with human-interpretable concepts.</a:t>
+            </a:r>
+            <a:endParaRPr lang="zh-CN" altLang="en-US" dirty="0"/>
+          </a:p>
+        </p:txBody>
+      </p:sp>
+    </p:spTree>
+    <p:extLst>
+      <p:ext uri="{BB962C8B-B14F-4D97-AF65-F5344CB8AC3E}">
+        <p14:creationId xmlns:p14="http://schemas.microsoft.com/office/powerpoint/2010/main" val="1478144501"/>
+      </p:ext>
+    </p:extLst>
+  </p:cSld>
+  <p:clrMapOvr>
+    <a:masterClrMapping/>
+  </p:clrMapOvr>
+</p:sld>
+</file>
+
+<file path=ppt/slides/slide23.xml><?xml version="1.0" encoding="utf-8"?>
+<p:sld xmlns:a="http://schemas.openxmlformats.org/drawingml/2006/main" xmlns:r="http://schemas.openxmlformats.org/officeDocument/2006/relationships" xmlns:p="http://schemas.openxmlformats.org/presentationml/2006/main">
+  <p:cSld>
+    <p:spTree>
+      <p:nvGrpSpPr>
+        <p:cNvPr id="1" name=""/>
+        <p:cNvGrpSpPr/>
+        <p:nvPr/>
+      </p:nvGrpSpPr>
+      <p:grpSpPr>
+        <a:xfrm>
+          <a:off x="0" y="0"/>
+          <a:ext cx="0" cy="0"/>
+          <a:chOff x="0" y="0"/>
+          <a:chExt cx="0" cy="0"/>
+        </a:xfrm>
+      </p:grpSpPr>
+      <p:sp>
+        <p:nvSpPr>
+          <p:cNvPr id="2" name="标题 1"/>
+          <p:cNvSpPr>
+            <a:spLocks noGrp="1"/>
+          </p:cNvSpPr>
+          <p:nvPr>
+            <p:ph type="title"/>
+          </p:nvPr>
+        </p:nvSpPr>
+        <p:spPr/>
+        <p:txBody>
+          <a:bodyPr/>
+          <a:lstStyle/>
+          <a:p>
+            <a:r>
+              <a:rPr lang="en-US" altLang="zh-CN" i="1" dirty="0"/>
+              <a:t>Explanation-Producing Systems</a:t>
+            </a:r>
+            <a:endParaRPr lang="zh-CN" altLang="en-US" dirty="0"/>
+          </a:p>
+        </p:txBody>
+      </p:sp>
+      <p:sp>
+        <p:nvSpPr>
+          <p:cNvPr id="3" name="内容占位符 2"/>
+          <p:cNvSpPr>
+            <a:spLocks noGrp="1"/>
+          </p:cNvSpPr>
+          <p:nvPr>
+            <p:ph idx="1"/>
+          </p:nvPr>
+        </p:nvSpPr>
+        <p:spPr/>
+        <p:txBody>
+          <a:bodyPr/>
+          <a:lstStyle/>
+          <a:p>
+            <a:r>
+              <a:rPr lang="en-US" altLang="zh-CN" i="1" dirty="0"/>
+              <a:t>Attention </a:t>
+            </a:r>
+            <a:r>
+              <a:rPr lang="en-US" altLang="zh-CN" i="1" dirty="0" smtClean="0"/>
+              <a:t>Networks</a:t>
+            </a:r>
+          </a:p>
+          <a:p>
+            <a:r>
+              <a:rPr lang="en-US" altLang="zh-CN" i="1" dirty="0"/>
+              <a:t>Disentangled </a:t>
+            </a:r>
+            <a:r>
+              <a:rPr lang="en-US" altLang="zh-CN" i="1" dirty="0" smtClean="0"/>
+              <a:t>Representations</a:t>
+            </a:r>
+          </a:p>
+          <a:p>
+            <a:r>
+              <a:rPr lang="en-US" altLang="zh-CN" i="1" dirty="0"/>
+              <a:t>Generated Explanations</a:t>
+            </a:r>
+            <a:endParaRPr lang="zh-CN" altLang="en-US" dirty="0"/>
+          </a:p>
+        </p:txBody>
+      </p:sp>
+    </p:spTree>
+    <p:extLst>
+      <p:ext uri="{BB962C8B-B14F-4D97-AF65-F5344CB8AC3E}">
+        <p14:creationId xmlns:p14="http://schemas.microsoft.com/office/powerpoint/2010/main" val="1085771148"/>
+      </p:ext>
+    </p:extLst>
+  </p:cSld>
+  <p:clrMapOvr>
+    <a:masterClrMapping/>
+  </p:clrMapOvr>
+  <p:timing>
+    <p:tnLst>
+      <p:par>
+        <p:cTn id="1" dur="indefinite" restart="never" nodeType="tmRoot"/>
+      </p:par>
+    </p:tnLst>
+  </p:timing>
+</p:sld>
+</file>
+
+<file path=ppt/slides/slide24.xml><?xml version="1.0" encoding="utf-8"?>
+<p:sld xmlns:a="http://schemas.openxmlformats.org/drawingml/2006/main" xmlns:r="http://schemas.openxmlformats.org/officeDocument/2006/relationships" xmlns:p="http://schemas.openxmlformats.org/presentationml/2006/main">
+  <p:cSld>
+    <p:spTree>
+      <p:nvGrpSpPr>
+        <p:cNvPr id="1" name=""/>
+        <p:cNvGrpSpPr/>
+        <p:nvPr/>
+      </p:nvGrpSpPr>
+      <p:grpSpPr>
+        <a:xfrm>
+          <a:off x="0" y="0"/>
+          <a:ext cx="0" cy="0"/>
+          <a:chOff x="0" y="0"/>
+          <a:chExt cx="0" cy="0"/>
+        </a:xfrm>
+      </p:grpSpPr>
+      <p:sp>
+        <p:nvSpPr>
+          <p:cNvPr id="2" name="标题 1"/>
+          <p:cNvSpPr>
+            <a:spLocks noGrp="1"/>
+          </p:cNvSpPr>
+          <p:nvPr>
+            <p:ph type="title"/>
+          </p:nvPr>
+        </p:nvSpPr>
+        <p:spPr/>
+        <p:txBody>
+          <a:bodyPr/>
+          <a:lstStyle/>
+          <a:p>
+            <a:r>
+              <a:rPr lang="en-US" altLang="zh-CN" dirty="0" smtClean="0"/>
+              <a:t>Attention Networks</a:t>
+            </a:r>
+            <a:endParaRPr lang="zh-CN" altLang="en-US" dirty="0"/>
+          </a:p>
+        </p:txBody>
+      </p:sp>
+      <p:sp>
+        <p:nvSpPr>
+          <p:cNvPr id="3" name="内容占位符 2"/>
+          <p:cNvSpPr>
+            <a:spLocks noGrp="1"/>
+          </p:cNvSpPr>
+          <p:nvPr>
+            <p:ph idx="1"/>
+          </p:nvPr>
+        </p:nvSpPr>
+        <p:spPr/>
+        <p:txBody>
+          <a:bodyPr/>
+          <a:lstStyle/>
+          <a:p>
+            <a:r>
+              <a:rPr lang="en-US" altLang="zh-CN" sz="2800" dirty="0"/>
+              <a:t>Attention-based networks learn functions that provide a </a:t>
+            </a:r>
+            <a:r>
+              <a:rPr lang="en-US" altLang="zh-CN" sz="2800" dirty="0">
+                <a:solidFill>
+                  <a:srgbClr val="FF0000"/>
+                </a:solidFill>
+              </a:rPr>
+              <a:t>weighting over inputs </a:t>
+            </a:r>
+            <a:r>
+              <a:rPr lang="en-US" altLang="zh-CN" sz="2800" dirty="0"/>
+              <a:t>or </a:t>
+            </a:r>
+            <a:r>
+              <a:rPr lang="en-US" altLang="zh-CN" sz="2800" dirty="0">
+                <a:solidFill>
+                  <a:srgbClr val="FF0000"/>
+                </a:solidFill>
+              </a:rPr>
+              <a:t>internal features</a:t>
+            </a:r>
+            <a:r>
+              <a:rPr lang="en-US" altLang="zh-CN" sz="2800" dirty="0"/>
+              <a:t> to steer the information </a:t>
+            </a:r>
+            <a:r>
+              <a:rPr lang="en-US" altLang="zh-CN" sz="2800" dirty="0">
+                <a:solidFill>
+                  <a:srgbClr val="FF0000"/>
+                </a:solidFill>
+              </a:rPr>
+              <a:t>visible</a:t>
+            </a:r>
+            <a:r>
+              <a:rPr lang="en-US" altLang="zh-CN" sz="2800" dirty="0"/>
+              <a:t> to other </a:t>
+            </a:r>
+            <a:r>
+              <a:rPr lang="en-US" altLang="zh-CN" sz="2800" dirty="0" smtClean="0"/>
+              <a:t>parts </a:t>
+            </a:r>
+            <a:r>
+              <a:rPr lang="en-US" altLang="zh-CN" sz="2800" dirty="0"/>
+              <a:t>of a network</a:t>
+            </a:r>
+            <a:r>
+              <a:rPr lang="en-US" altLang="zh-CN" sz="2800" dirty="0" smtClean="0"/>
+              <a:t>.</a:t>
+            </a:r>
+          </a:p>
+          <a:p>
+            <a:r>
+              <a:rPr lang="en-US" altLang="zh-CN" sz="2800" dirty="0" smtClean="0"/>
+              <a:t>Application area</a:t>
+            </a:r>
+            <a:endParaRPr lang="en-US" altLang="zh-CN" sz="2800" dirty="0" smtClean="0"/>
+          </a:p>
+          <a:p>
+            <a:pPr lvl="1"/>
+            <a:r>
+              <a:rPr lang="en-US" altLang="zh-CN" sz="2000" dirty="0" smtClean="0"/>
+              <a:t>Natural language translation models to process words in an appropriate non-sequential order.</a:t>
+            </a:r>
+          </a:p>
+          <a:p>
+            <a:pPr lvl="1"/>
+            <a:r>
+              <a:rPr lang="en-US" altLang="zh-CN" sz="2000" dirty="0" smtClean="0"/>
+              <a:t>Fine-grained image classification</a:t>
+            </a:r>
+          </a:p>
+          <a:p>
+            <a:pPr lvl="1"/>
+            <a:r>
+              <a:rPr lang="en-US" altLang="zh-CN" sz="2000" dirty="0" smtClean="0"/>
+              <a:t>Visual question answer</a:t>
+            </a:r>
+          </a:p>
+          <a:p>
+            <a:pPr lvl="1"/>
+            <a:endParaRPr lang="en-US" altLang="zh-CN" sz="1600" dirty="0" smtClean="0"/>
+          </a:p>
+          <a:p>
+            <a:endParaRPr lang="en-US" altLang="zh-CN" sz="2800" dirty="0" smtClean="0"/>
+          </a:p>
+          <a:p>
+            <a:endParaRPr lang="zh-CN" altLang="en-US" dirty="0"/>
+          </a:p>
+        </p:txBody>
+      </p:sp>
+    </p:spTree>
+    <p:extLst>
+      <p:ext uri="{BB962C8B-B14F-4D97-AF65-F5344CB8AC3E}">
+        <p14:creationId xmlns:p14="http://schemas.microsoft.com/office/powerpoint/2010/main" val="4158683794"/>
+      </p:ext>
+    </p:extLst>
+  </p:cSld>
+  <p:clrMapOvr>
+    <a:masterClrMapping/>
+  </p:clrMapOvr>
+</p:sld>
+</file>
+
+<file path=ppt/slides/slide25.xml><?xml version="1.0" encoding="utf-8"?>
+<p:sld xmlns:a="http://schemas.openxmlformats.org/drawingml/2006/main" xmlns:r="http://schemas.openxmlformats.org/officeDocument/2006/relationships" xmlns:p="http://schemas.openxmlformats.org/presentationml/2006/main">
+  <p:cSld>
+    <p:spTree>
+      <p:nvGrpSpPr>
+        <p:cNvPr id="1" name=""/>
+        <p:cNvGrpSpPr/>
+        <p:nvPr/>
+      </p:nvGrpSpPr>
+      <p:grpSpPr>
+        <a:xfrm>
+          <a:off x="0" y="0"/>
+          <a:ext cx="0" cy="0"/>
+          <a:chOff x="0" y="0"/>
+          <a:chExt cx="0" cy="0"/>
+        </a:xfrm>
+      </p:grpSpPr>
+      <p:sp>
+        <p:nvSpPr>
+          <p:cNvPr id="2" name="标题 1"/>
+          <p:cNvSpPr>
+            <a:spLocks noGrp="1"/>
+          </p:cNvSpPr>
+          <p:nvPr>
+            <p:ph type="title"/>
+          </p:nvPr>
+        </p:nvSpPr>
+        <p:spPr/>
+        <p:txBody>
+          <a:bodyPr/>
+          <a:lstStyle/>
+          <a:p>
+            <a:r>
+              <a:rPr lang="en-US" altLang="zh-CN" dirty="0" smtClean="0"/>
+              <a:t>Disentangled Representations</a:t>
+            </a:r>
+            <a:endParaRPr lang="zh-CN" altLang="en-US" dirty="0"/>
+          </a:p>
+        </p:txBody>
+      </p:sp>
+      <p:sp>
+        <p:nvSpPr>
+          <p:cNvPr id="3" name="内容占位符 2"/>
+          <p:cNvSpPr>
+            <a:spLocks noGrp="1"/>
+          </p:cNvSpPr>
+          <p:nvPr>
+            <p:ph idx="1"/>
+          </p:nvPr>
+        </p:nvSpPr>
+        <p:spPr/>
+        <p:txBody>
+          <a:bodyPr>
+            <a:normAutofit/>
+          </a:bodyPr>
+          <a:lstStyle/>
+          <a:p>
+            <a:r>
+              <a:rPr lang="en-US" altLang="zh-CN" sz="2800" dirty="0"/>
+              <a:t>Disentangled </a:t>
+            </a:r>
+            <a:r>
+              <a:rPr lang="en-US" altLang="zh-CN" sz="2800" dirty="0" smtClean="0"/>
+              <a:t>representations </a:t>
+            </a:r>
+            <a:r>
+              <a:rPr lang="en-US" altLang="zh-CN" sz="2800" dirty="0"/>
+              <a:t>have </a:t>
+            </a:r>
+            <a:r>
+              <a:rPr lang="en-US" altLang="zh-CN" sz="2800" dirty="0">
+                <a:solidFill>
+                  <a:srgbClr val="FF0000"/>
+                </a:solidFill>
+              </a:rPr>
+              <a:t>individual</a:t>
+            </a:r>
+            <a:r>
+              <a:rPr lang="en-US" altLang="zh-CN" sz="2800" dirty="0"/>
+              <a:t> </a:t>
+            </a:r>
+            <a:r>
+              <a:rPr lang="en-US" altLang="zh-CN" sz="2800" dirty="0">
+                <a:solidFill>
+                  <a:srgbClr val="FF0000"/>
+                </a:solidFill>
+              </a:rPr>
+              <a:t>dimensions</a:t>
+            </a:r>
+            <a:r>
+              <a:rPr lang="en-US" altLang="zh-CN" sz="2800" dirty="0"/>
+              <a:t> that describe meaningful and independent factors of variation</a:t>
+            </a:r>
+            <a:r>
+              <a:rPr lang="en-US" altLang="zh-CN" sz="2800" dirty="0" smtClean="0"/>
+              <a:t>.</a:t>
+            </a:r>
+          </a:p>
+          <a:p>
+            <a:r>
+              <a:rPr lang="en-US" altLang="zh-CN" dirty="0"/>
+              <a:t>S</a:t>
+            </a:r>
+            <a:r>
+              <a:rPr lang="en-US" altLang="zh-CN" dirty="0" smtClean="0"/>
+              <a:t>eparating Latent Factors</a:t>
+            </a:r>
+          </a:p>
+          <a:p>
+            <a:pPr lvl="1"/>
+            <a:r>
+              <a:rPr lang="en-US" altLang="zh-CN" dirty="0"/>
+              <a:t>Principal </a:t>
+            </a:r>
+            <a:r>
+              <a:rPr lang="en-US" altLang="zh-CN" dirty="0" smtClean="0"/>
+              <a:t>Component Analysis, </a:t>
+            </a:r>
+            <a:r>
+              <a:rPr lang="en-US" altLang="zh-CN" dirty="0"/>
+              <a:t>Independent Component </a:t>
+            </a:r>
+            <a:r>
+              <a:rPr lang="en-US" altLang="zh-CN" dirty="0" smtClean="0"/>
+              <a:t>Analysis, </a:t>
+            </a:r>
+            <a:r>
+              <a:rPr lang="en-US" altLang="zh-CN" dirty="0"/>
+              <a:t>Nonnegative Matrix Factorization</a:t>
+            </a:r>
+            <a:endParaRPr lang="zh-CN" altLang="en-US" sz="4800" dirty="0"/>
+          </a:p>
+        </p:txBody>
+      </p:sp>
+    </p:spTree>
+    <p:extLst>
+      <p:ext uri="{BB962C8B-B14F-4D97-AF65-F5344CB8AC3E}">
+        <p14:creationId xmlns:p14="http://schemas.microsoft.com/office/powerpoint/2010/main" val="3722913997"/>
+      </p:ext>
+    </p:extLst>
+  </p:cSld>
+  <p:clrMapOvr>
+    <a:masterClrMapping/>
+  </p:clrMapOvr>
+</p:sld>
+</file>
+
+<file path=ppt/slides/slide26.xml><?xml version="1.0" encoding="utf-8"?>
+<p:sld xmlns:a="http://schemas.openxmlformats.org/drawingml/2006/main" xmlns:r="http://schemas.openxmlformats.org/officeDocument/2006/relationships" xmlns:p="http://schemas.openxmlformats.org/presentationml/2006/main">
+  <p:cSld>
+    <p:spTree>
+      <p:nvGrpSpPr>
+        <p:cNvPr id="1" name=""/>
+        <p:cNvGrpSpPr/>
+        <p:nvPr/>
+      </p:nvGrpSpPr>
+      <p:grpSpPr>
+        <a:xfrm>
+          <a:off x="0" y="0"/>
+          <a:ext cx="0" cy="0"/>
+          <a:chOff x="0" y="0"/>
+          <a:chExt cx="0" cy="0"/>
+        </a:xfrm>
+      </p:grpSpPr>
+      <p:sp>
+        <p:nvSpPr>
+          <p:cNvPr id="2" name="标题 1"/>
+          <p:cNvSpPr>
+            <a:spLocks noGrp="1"/>
+          </p:cNvSpPr>
+          <p:nvPr>
+            <p:ph type="title"/>
+          </p:nvPr>
+        </p:nvSpPr>
+        <p:spPr/>
+        <p:txBody>
+          <a:bodyPr/>
+          <a:lstStyle/>
+          <a:p>
+            <a:r>
+              <a:rPr lang="en-US" altLang="zh-CN" dirty="0" smtClean="0"/>
+              <a:t>Generated Explanations</a:t>
+            </a:r>
+            <a:endParaRPr lang="zh-CN" altLang="en-US" dirty="0"/>
+          </a:p>
+        </p:txBody>
+      </p:sp>
+      <p:sp>
+        <p:nvSpPr>
+          <p:cNvPr id="3" name="内容占位符 2"/>
+          <p:cNvSpPr>
+            <a:spLocks noGrp="1"/>
+          </p:cNvSpPr>
+          <p:nvPr>
+            <p:ph idx="1"/>
+          </p:nvPr>
+        </p:nvSpPr>
+        <p:spPr/>
+        <p:txBody>
+          <a:bodyPr>
+            <a:normAutofit/>
+          </a:bodyPr>
+          <a:lstStyle/>
+          <a:p>
+            <a:r>
+              <a:rPr lang="en-US" altLang="zh-CN" sz="2800" dirty="0"/>
+              <a:t>Finally, deep networks </a:t>
+            </a:r>
+            <a:r>
+              <a:rPr lang="en-US" altLang="zh-CN" sz="2800" dirty="0" smtClean="0"/>
+              <a:t>can also </a:t>
+            </a:r>
+            <a:r>
+              <a:rPr lang="en-US" altLang="zh-CN" sz="2800" dirty="0"/>
+              <a:t>be designed to generate their own </a:t>
+            </a:r>
+            <a:r>
+              <a:rPr lang="en-US" altLang="zh-CN" sz="2800" dirty="0" smtClean="0"/>
+              <a:t>human-understandable explanations </a:t>
+            </a:r>
+            <a:r>
+              <a:rPr lang="en-US" altLang="zh-CN" sz="2800" dirty="0"/>
+              <a:t>as part of the explicit training of the system</a:t>
+            </a:r>
+            <a:r>
+              <a:rPr lang="en-US" altLang="zh-CN" sz="2800" dirty="0" smtClean="0"/>
+              <a:t>.</a:t>
+            </a:r>
+          </a:p>
+          <a:p>
+            <a:r>
+              <a:rPr lang="en-US" altLang="zh-CN" sz="2800" dirty="0" smtClean="0"/>
+              <a:t>Demonstrated in </a:t>
+            </a:r>
+            <a:r>
+              <a:rPr lang="en-US" altLang="zh-CN" sz="2800" dirty="0" smtClean="0">
+                <a:solidFill>
+                  <a:srgbClr val="FF0000"/>
+                </a:solidFill>
+              </a:rPr>
+              <a:t>visual question answering </a:t>
+            </a:r>
+            <a:r>
+              <a:rPr lang="en-US" altLang="zh-CN" sz="2800" dirty="0" smtClean="0"/>
+              <a:t>and </a:t>
+            </a:r>
+            <a:r>
+              <a:rPr lang="en-US" altLang="zh-CN" sz="2800" dirty="0" smtClean="0">
+                <a:solidFill>
+                  <a:srgbClr val="FF0000"/>
+                </a:solidFill>
+              </a:rPr>
+              <a:t>fine-grained image classification</a:t>
+            </a:r>
+            <a:r>
+              <a:rPr lang="en-US" altLang="zh-CN" sz="2800" dirty="0" smtClean="0"/>
+              <a:t>.</a:t>
+            </a:r>
+          </a:p>
+          <a:p>
+            <a:r>
+              <a:rPr lang="en-US" altLang="zh-CN" sz="2800" dirty="0"/>
+              <a:t>In addition to solving </a:t>
+            </a:r>
+            <a:r>
+              <a:rPr lang="en-US" altLang="zh-CN" sz="2800" dirty="0" smtClean="0"/>
+              <a:t>their primary </a:t>
+            </a:r>
+            <a:r>
+              <a:rPr lang="en-US" altLang="zh-CN" sz="2800" dirty="0"/>
+              <a:t>task, these systems synthesize a “</a:t>
+            </a:r>
+            <a:r>
+              <a:rPr lang="en-US" altLang="zh-CN" sz="2800" dirty="0">
+                <a:solidFill>
+                  <a:srgbClr val="FF0000"/>
+                </a:solidFill>
+              </a:rPr>
+              <a:t>because</a:t>
+            </a:r>
+            <a:r>
+              <a:rPr lang="en-US" altLang="zh-CN" sz="2800" dirty="0"/>
+              <a:t>” </a:t>
+            </a:r>
+            <a:r>
+              <a:rPr lang="en-US" altLang="zh-CN" sz="2800" dirty="0" smtClean="0"/>
+              <a:t>sentence that </a:t>
+            </a:r>
+            <a:r>
+              <a:rPr lang="en-US" altLang="zh-CN" sz="2800" dirty="0"/>
+              <a:t>explains the decision in natural language.</a:t>
+            </a:r>
+            <a:endParaRPr lang="en-US" altLang="zh-CN" sz="2800" dirty="0" smtClean="0"/>
+          </a:p>
+          <a:p>
+            <a:r>
+              <a:rPr lang="en-US" altLang="zh-CN" sz="2800" dirty="0"/>
+              <a:t>Multimodal explanations that incorporate both </a:t>
+            </a:r>
+            <a:r>
+              <a:rPr lang="en-US" altLang="zh-CN" sz="2800" dirty="0">
+                <a:solidFill>
+                  <a:srgbClr val="FF0000"/>
+                </a:solidFill>
+              </a:rPr>
+              <a:t>visual </a:t>
+            </a:r>
+            <a:r>
+              <a:rPr lang="en-US" altLang="zh-CN" sz="2800" dirty="0" smtClean="0">
+                <a:solidFill>
+                  <a:srgbClr val="FF0000"/>
+                </a:solidFill>
+              </a:rPr>
+              <a:t>pointing </a:t>
+            </a:r>
+            <a:r>
+              <a:rPr lang="en-US" altLang="zh-CN" sz="2800" dirty="0" smtClean="0"/>
+              <a:t>and </a:t>
+            </a:r>
+            <a:r>
+              <a:rPr lang="en-US" altLang="zh-CN" sz="2800" dirty="0">
+                <a:solidFill>
+                  <a:srgbClr val="FF0000"/>
+                </a:solidFill>
+              </a:rPr>
+              <a:t>textual explanations </a:t>
+            </a:r>
+            <a:r>
+              <a:rPr lang="en-US" altLang="zh-CN" sz="2800" dirty="0"/>
+              <a:t>can be </a:t>
+            </a:r>
+            <a:r>
+              <a:rPr lang="en-US" altLang="zh-CN" sz="2800" dirty="0" smtClean="0"/>
+              <a:t>generated.</a:t>
+            </a:r>
+          </a:p>
+        </p:txBody>
+      </p:sp>
+    </p:spTree>
+    <p:extLst>
+      <p:ext uri="{BB962C8B-B14F-4D97-AF65-F5344CB8AC3E}">
+        <p14:creationId xmlns:p14="http://schemas.microsoft.com/office/powerpoint/2010/main" val="607691101"/>
+      </p:ext>
+    </p:extLst>
+  </p:cSld>
+  <p:clrMapOvr>
+    <a:masterClrMapping/>
+  </p:clrMapOvr>
+</p:sld>
+</file>
+
+<file path=ppt/slides/slide27.xml><?xml version="1.0" encoding="utf-8"?>
+<p:sld xmlns:a="http://schemas.openxmlformats.org/drawingml/2006/main" xmlns:r="http://schemas.openxmlformats.org/officeDocument/2006/relationships" xmlns:p="http://schemas.openxmlformats.org/presentationml/2006/main">
+  <p:cSld>
+    <p:spTree>
+      <p:nvGrpSpPr>
+        <p:cNvPr id="1" name=""/>
+        <p:cNvGrpSpPr/>
+        <p:nvPr/>
+      </p:nvGrpSpPr>
+      <p:grpSpPr>
+        <a:xfrm>
+          <a:off x="0" y="0"/>
+          <a:ext cx="0" cy="0"/>
+          <a:chOff x="0" y="0"/>
+          <a:chExt cx="0" cy="0"/>
+        </a:xfrm>
+      </p:grpSpPr>
+      <p:sp>
+        <p:nvSpPr>
+          <p:cNvPr id="2" name="标题 1"/>
+          <p:cNvSpPr>
+            <a:spLocks noGrp="1"/>
+          </p:cNvSpPr>
+          <p:nvPr>
+            <p:ph type="title"/>
+          </p:nvPr>
+        </p:nvSpPr>
+        <p:spPr/>
+        <p:txBody>
           <a:bodyPr/>
           <a:lstStyle/>
           <a:p>
@@ -4786,7 +6321,7 @@
 </p:sld>
 </file>
 
-<file path=ppt/slides/slide21.xml><?xml version="1.0" encoding="utf-8"?>
+<file path=ppt/slides/slide28.xml><?xml version="1.0" encoding="utf-8"?>
 <p:sld xmlns:a="http://schemas.openxmlformats.org/drawingml/2006/main" xmlns:r="http://schemas.openxmlformats.org/officeDocument/2006/relationships" xmlns:p="http://schemas.openxmlformats.org/presentationml/2006/main">
   <p:cSld>
     <p:spTree>
@@ -4844,7 +6379,7 @@
         </p:blipFill>
         <p:spPr>
           <a:xfrm>
-            <a:off x="838199" y="1599245"/>
+            <a:off x="838200" y="2698203"/>
             <a:ext cx="6443445" cy="2425767"/>
           </a:xfrm>
           <a:prstGeom prst="rect">
@@ -4852,6 +6387,47 @@
           </a:prstGeom>
         </p:spPr>
       </p:pic>
+      <p:sp>
+        <p:nvSpPr>
+          <p:cNvPr id="3" name="矩形 2"/>
+          <p:cNvSpPr/>
+          <p:nvPr/>
+        </p:nvSpPr>
+        <p:spPr>
+          <a:xfrm>
+            <a:off x="838200" y="1763596"/>
+            <a:ext cx="10285602" cy="954107"/>
+          </a:xfrm>
+          <a:prstGeom prst="rect">
+            <a:avLst/>
+          </a:prstGeom>
+        </p:spPr>
+        <p:txBody>
+          <a:bodyPr wrap="square">
+            <a:spAutoFit/>
+          </a:bodyPr>
+          <a:lstStyle/>
+          <a:p>
+            <a:r>
+              <a:rPr lang="en-US" altLang="zh-CN" sz="2800" dirty="0"/>
+              <a:t>Notice that the </a:t>
+            </a:r>
+            <a:r>
+              <a:rPr lang="en-US" altLang="zh-CN" sz="2800" dirty="0">
+                <a:solidFill>
+                  <a:srgbClr val="FF0000"/>
+                </a:solidFill>
+              </a:rPr>
+              <a:t>processing and explanation-producing </a:t>
+            </a:r>
+            <a:r>
+              <a:rPr lang="en-US" altLang="zh-CN" sz="2800" dirty="0"/>
+              <a:t>roles are much more populated than the representation role.</a:t>
+            </a:r>
+            <a:endParaRPr lang="zh-CN" altLang="en-US" sz="2800" dirty="0"/>
+          </a:p>
+        </p:txBody>
+      </p:sp>
     </p:spTree>
     <p:extLst>
       <p:ext uri="{BB962C8B-B14F-4D97-AF65-F5344CB8AC3E}">
@@ -4872,7 +6448,240 @@
 </p:sld>
 </file>
 
-<file path=ppt/slides/slide22.xml><?xml version="1.0" encoding="utf-8"?>
+<file path=ppt/slides/slide29.xml><?xml version="1.0" encoding="utf-8"?>
+<p:sld xmlns:a="http://schemas.openxmlformats.org/drawingml/2006/main" xmlns:r="http://schemas.openxmlformats.org/officeDocument/2006/relationships" xmlns:p="http://schemas.openxmlformats.org/presentationml/2006/main">
+  <p:cSld>
+    <p:spTree>
+      <p:nvGrpSpPr>
+        <p:cNvPr id="1" name=""/>
+        <p:cNvGrpSpPr/>
+        <p:nvPr/>
+      </p:nvGrpSpPr>
+      <p:grpSpPr>
+        <a:xfrm>
+          <a:off x="0" y="0"/>
+          <a:ext cx="0" cy="0"/>
+          <a:chOff x="0" y="0"/>
+          <a:chExt cx="0" cy="0"/>
+        </a:xfrm>
+      </p:grpSpPr>
+      <p:sp>
+        <p:nvSpPr>
+          <p:cNvPr id="2" name="标题 1"/>
+          <p:cNvSpPr>
+            <a:spLocks noGrp="1"/>
+          </p:cNvSpPr>
+          <p:nvPr>
+            <p:ph type="title"/>
+          </p:nvPr>
+        </p:nvSpPr>
+        <p:spPr/>
+        <p:txBody>
+          <a:bodyPr/>
+          <a:lstStyle/>
+          <a:p>
+            <a:r>
+              <a:rPr lang="en-US" altLang="zh-CN" dirty="0"/>
+              <a:t>Evaluation</a:t>
+            </a:r>
+            <a:endParaRPr lang="zh-CN" altLang="en-US" dirty="0"/>
+          </a:p>
+        </p:txBody>
+      </p:sp>
+      <p:sp>
+        <p:nvSpPr>
+          <p:cNvPr id="3" name="内容占位符 2"/>
+          <p:cNvSpPr>
+            <a:spLocks noGrp="1"/>
+          </p:cNvSpPr>
+          <p:nvPr>
+            <p:ph idx="1"/>
+          </p:nvPr>
+        </p:nvSpPr>
+        <p:spPr/>
+        <p:txBody>
+          <a:bodyPr/>
+          <a:lstStyle/>
+          <a:p>
+            <a:r>
+              <a:rPr lang="en-US" altLang="zh-CN" dirty="0"/>
+              <a:t>Completeness compared to the original model</a:t>
+            </a:r>
+            <a:r>
+              <a:rPr lang="en-US" altLang="zh-CN" dirty="0" smtClean="0"/>
+              <a:t>.</a:t>
+            </a:r>
+          </a:p>
+          <a:p>
+            <a:r>
+              <a:rPr lang="en-US" altLang="zh-CN" dirty="0"/>
+              <a:t>Completeness as measured on a substitute task</a:t>
+            </a:r>
+            <a:r>
+              <a:rPr lang="en-US" altLang="zh-CN" dirty="0" smtClean="0"/>
+              <a:t>.</a:t>
+            </a:r>
+          </a:p>
+          <a:p>
+            <a:r>
+              <a:rPr lang="en-US" altLang="zh-CN" dirty="0"/>
+              <a:t>Ability to detect models with biases</a:t>
+            </a:r>
+            <a:r>
+              <a:rPr lang="en-US" altLang="zh-CN" dirty="0" smtClean="0"/>
+              <a:t>.</a:t>
+            </a:r>
+          </a:p>
+          <a:p>
+            <a:r>
+              <a:rPr lang="en-US" altLang="zh-CN" dirty="0"/>
+              <a:t>Human evaluation.</a:t>
+            </a:r>
+            <a:endParaRPr lang="zh-CN" altLang="en-US" dirty="0"/>
+          </a:p>
+        </p:txBody>
+      </p:sp>
+    </p:spTree>
+    <p:extLst>
+      <p:ext uri="{BB962C8B-B14F-4D97-AF65-F5344CB8AC3E}">
+        <p14:creationId xmlns:p14="http://schemas.microsoft.com/office/powerpoint/2010/main" val="863994834"/>
+      </p:ext>
+    </p:extLst>
+  </p:cSld>
+  <p:clrMapOvr>
+    <a:masterClrMapping/>
+  </p:clrMapOvr>
+</p:sld>
+</file>
+
+<file path=ppt/slides/slide3.xml><?xml version="1.0" encoding="utf-8"?>
+<p:sld xmlns:a="http://schemas.openxmlformats.org/drawingml/2006/main" xmlns:r="http://schemas.openxmlformats.org/officeDocument/2006/relationships" xmlns:p="http://schemas.openxmlformats.org/presentationml/2006/main">
+  <p:cSld>
+    <p:spTree>
+      <p:nvGrpSpPr>
+        <p:cNvPr id="1" name=""/>
+        <p:cNvGrpSpPr/>
+        <p:nvPr/>
+      </p:nvGrpSpPr>
+      <p:grpSpPr>
+        <a:xfrm>
+          <a:off x="0" y="0"/>
+          <a:ext cx="0" cy="0"/>
+          <a:chOff x="0" y="0"/>
+          <a:chExt cx="0" cy="0"/>
+        </a:xfrm>
+      </p:grpSpPr>
+      <p:sp>
+        <p:nvSpPr>
+          <p:cNvPr id="2" name="标题 1"/>
+          <p:cNvSpPr>
+            <a:spLocks noGrp="1"/>
+          </p:cNvSpPr>
+          <p:nvPr>
+            <p:ph type="title"/>
+          </p:nvPr>
+        </p:nvSpPr>
+        <p:spPr/>
+        <p:txBody>
+          <a:bodyPr/>
+          <a:lstStyle/>
+          <a:p>
+            <a:r>
+              <a:rPr lang="en-US" altLang="zh-CN" dirty="0" smtClean="0"/>
+              <a:t>Introduction</a:t>
+            </a:r>
+            <a:endParaRPr lang="zh-CN" altLang="en-US" dirty="0"/>
+          </a:p>
+        </p:txBody>
+      </p:sp>
+      <p:sp>
+        <p:nvSpPr>
+          <p:cNvPr id="3" name="内容占位符 2"/>
+          <p:cNvSpPr>
+            <a:spLocks noGrp="1"/>
+          </p:cNvSpPr>
+          <p:nvPr>
+            <p:ph idx="1"/>
+          </p:nvPr>
+        </p:nvSpPr>
+        <p:spPr/>
+        <p:txBody>
+          <a:bodyPr/>
+          <a:lstStyle/>
+          <a:p>
+            <a:r>
+              <a:rPr lang="en-US" altLang="zh-CN" dirty="0" smtClean="0"/>
+              <a:t>Interpretability → Explainability</a:t>
+            </a:r>
+          </a:p>
+          <a:p>
+            <a:pPr lvl="1"/>
+            <a:r>
+              <a:rPr lang="en-US" altLang="zh-CN" dirty="0" smtClean="0"/>
+              <a:t>We take the stance that </a:t>
+            </a:r>
+            <a:r>
+              <a:rPr lang="en-US" altLang="zh-CN" dirty="0" smtClean="0">
+                <a:solidFill>
+                  <a:srgbClr val="FF0000"/>
+                </a:solidFill>
+              </a:rPr>
+              <a:t>interpretability alone is insufficient</a:t>
+            </a:r>
+            <a:r>
+              <a:rPr lang="en-US" altLang="zh-CN" dirty="0" smtClean="0"/>
+              <a:t>. In order for humans to trust black-box methods, we need </a:t>
+            </a:r>
+            <a:r>
+              <a:rPr lang="en-US" altLang="zh-CN" i="1" dirty="0" smtClean="0">
+                <a:solidFill>
+                  <a:srgbClr val="FF0000"/>
+                </a:solidFill>
+              </a:rPr>
+              <a:t>explainability</a:t>
+            </a:r>
+            <a:r>
+              <a:rPr lang="en-US" altLang="zh-CN" dirty="0" smtClean="0"/>
+              <a:t> -  models that are able to summarize the reasons for neural network behavior, gain the trust of users, or produce insights about the causes of their decisions.</a:t>
+            </a:r>
+          </a:p>
+          <a:p>
+            <a:pPr lvl="1"/>
+            <a:r>
+              <a:rPr lang="en-US" altLang="zh-CN" dirty="0" smtClean="0"/>
+              <a:t>While interpetability is a substantial first step, these mechanisms need to also be complete, with the capacity to defend their actions, provide relevant responses to questions, and be audited.</a:t>
+            </a:r>
+          </a:p>
+          <a:p>
+            <a:r>
+              <a:rPr lang="en-US" altLang="zh-CN" dirty="0" smtClean="0"/>
+              <a:t>Explainable models are interpretable by default, but the reverse is not always true.</a:t>
+            </a:r>
+            <a:endParaRPr lang="zh-CN" altLang="en-US" dirty="0"/>
+          </a:p>
+        </p:txBody>
+      </p:sp>
+    </p:spTree>
+    <p:extLst>
+      <p:ext uri="{BB962C8B-B14F-4D97-AF65-F5344CB8AC3E}">
+        <p14:creationId xmlns:p14="http://schemas.microsoft.com/office/powerpoint/2010/main" val="851604463"/>
+      </p:ext>
+    </p:extLst>
+  </p:cSld>
+  <p:clrMapOvr>
+    <a:masterClrMapping/>
+  </p:clrMapOvr>
+  <p:timing>
+    <p:tnLst>
+      <p:par>
+        <p:cTn id="1" dur="indefinite" restart="never" nodeType="tmRoot"/>
+      </p:par>
+    </p:tnLst>
+  </p:timing>
+</p:sld>
+</file>
+
+<file path=ppt/slides/slide30.xml><?xml version="1.0" encoding="utf-8"?>
 <p:sld xmlns:a="http://schemas.openxmlformats.org/drawingml/2006/main" xmlns:r="http://schemas.openxmlformats.org/officeDocument/2006/relationships" xmlns:p="http://schemas.openxmlformats.org/presentationml/2006/main">
   <p:cSld>
     <p:spTree>
@@ -4958,7 +6767,7 @@
 </p:sld>
 </file>
 
-<file path=ppt/slides/slide23.xml><?xml version="1.0" encoding="utf-8"?>
+<file path=ppt/slides/slide31.xml><?xml version="1.0" encoding="utf-8"?>
 <p:sld xmlns:a="http://schemas.openxmlformats.org/drawingml/2006/main" xmlns:r="http://schemas.openxmlformats.org/officeDocument/2006/relationships" xmlns:p="http://schemas.openxmlformats.org/presentationml/2006/main">
   <p:cSld>
     <p:spTree>
@@ -5013,7 +6822,7 @@
           <a:bodyPr/>
           <a:lstStyle/>
           <a:p>
-            <a:endParaRPr lang="zh-CN" altLang="en-US"/>
+            <a:endParaRPr lang="zh-CN" altLang="en-US" dirty="0"/>
           </a:p>
         </p:txBody>
       </p:sp>
@@ -5021,133 +6830,6 @@
     <p:extLst>
       <p:ext uri="{BB962C8B-B14F-4D97-AF65-F5344CB8AC3E}">
         <p14:creationId xmlns:p14="http://schemas.microsoft.com/office/powerpoint/2010/main" val="2012202618"/>
-      </p:ext>
-    </p:extLst>
-  </p:cSld>
-  <p:clrMapOvr>
-    <a:masterClrMapping/>
-  </p:clrMapOvr>
-  <p:timing>
-    <p:tnLst>
-      <p:par>
-        <p:cTn id="1" dur="indefinite" restart="never" nodeType="tmRoot"/>
-      </p:par>
-    </p:tnLst>
-  </p:timing>
-</p:sld>
-</file>
-
-<file path=ppt/slides/slide3.xml><?xml version="1.0" encoding="utf-8"?>
-<p:sld xmlns:a="http://schemas.openxmlformats.org/drawingml/2006/main" xmlns:r="http://schemas.openxmlformats.org/officeDocument/2006/relationships" xmlns:p="http://schemas.openxmlformats.org/presentationml/2006/main">
-  <p:cSld>
-    <p:spTree>
-      <p:nvGrpSpPr>
-        <p:cNvPr id="1" name=""/>
-        <p:cNvGrpSpPr/>
-        <p:nvPr/>
-      </p:nvGrpSpPr>
-      <p:grpSpPr>
-        <a:xfrm>
-          <a:off x="0" y="0"/>
-          <a:ext cx="0" cy="0"/>
-          <a:chOff x="0" y="0"/>
-          <a:chExt cx="0" cy="0"/>
-        </a:xfrm>
-      </p:grpSpPr>
-      <p:sp>
-        <p:nvSpPr>
-          <p:cNvPr id="2" name="标题 1"/>
-          <p:cNvSpPr>
-            <a:spLocks noGrp="1"/>
-          </p:cNvSpPr>
-          <p:nvPr>
-            <p:ph type="title"/>
-          </p:nvPr>
-        </p:nvSpPr>
-        <p:spPr/>
-        <p:txBody>
-          <a:bodyPr/>
-          <a:lstStyle/>
-          <a:p>
-            <a:r>
-              <a:rPr lang="en-US" altLang="zh-CN" dirty="0" smtClean="0"/>
-              <a:t>Introduction</a:t>
-            </a:r>
-            <a:endParaRPr lang="zh-CN" altLang="en-US" dirty="0"/>
-          </a:p>
-        </p:txBody>
-      </p:sp>
-      <p:sp>
-        <p:nvSpPr>
-          <p:cNvPr id="3" name="内容占位符 2"/>
-          <p:cNvSpPr>
-            <a:spLocks noGrp="1"/>
-          </p:cNvSpPr>
-          <p:nvPr>
-            <p:ph idx="1"/>
-          </p:nvPr>
-        </p:nvSpPr>
-        <p:spPr/>
-        <p:txBody>
-          <a:bodyPr/>
-          <a:lstStyle/>
-          <a:p>
-            <a:r>
-              <a:rPr lang="en-US" altLang="zh-CN" dirty="0" smtClean="0"/>
-              <a:t>Interpretability → Explainability</a:t>
-            </a:r>
-          </a:p>
-          <a:p>
-            <a:pPr lvl="1"/>
-            <a:r>
-              <a:rPr lang="en-US" altLang="zh-CN" dirty="0" smtClean="0"/>
-              <a:t>We take the stance that </a:t>
-            </a:r>
-            <a:r>
-              <a:rPr lang="en-US" altLang="zh-CN" dirty="0" smtClean="0">
-                <a:solidFill>
-                  <a:srgbClr val="FF0000"/>
-                </a:solidFill>
-              </a:rPr>
-              <a:t>interpretability alone is insufficient</a:t>
-            </a:r>
-            <a:r>
-              <a:rPr lang="en-US" altLang="zh-CN" dirty="0" smtClean="0"/>
-              <a:t>. In order for humans to trust black-box methods, we need </a:t>
-            </a:r>
-            <a:r>
-              <a:rPr lang="en-US" altLang="zh-CN" i="1" dirty="0" smtClean="0">
-                <a:solidFill>
-                  <a:srgbClr val="FF0000"/>
-                </a:solidFill>
-              </a:rPr>
-              <a:t>explainability</a:t>
-            </a:r>
-            <a:r>
-              <a:rPr lang="en-US" altLang="zh-CN" dirty="0" smtClean="0"/>
-              <a:t> -  models that are able to summarize the reasons for neural network behavior, gain the trust of users, or produce insights about the causes of their decisions.</a:t>
-            </a:r>
-          </a:p>
-          <a:p>
-            <a:pPr lvl="1"/>
-            <a:r>
-              <a:rPr lang="en-US" altLang="zh-CN" dirty="0" smtClean="0"/>
-              <a:t>While interpetability is a substantial first step, these mechanisms need to also be complete, with the capacity to defend their actions, provide relevant responses to questions, and be audited.</a:t>
-            </a:r>
-          </a:p>
-          <a:p>
-            <a:r>
-              <a:rPr lang="en-US" altLang="zh-CN" dirty="0" smtClean="0"/>
-              <a:t>Explainable models are interpretable by default, but the reverse is not always true.</a:t>
-            </a:r>
-            <a:endParaRPr lang="zh-CN" altLang="en-US" dirty="0"/>
-          </a:p>
-        </p:txBody>
-      </p:sp>
-    </p:spTree>
-    <p:extLst>
-      <p:ext uri="{BB962C8B-B14F-4D97-AF65-F5344CB8AC3E}">
-        <p14:creationId xmlns:p14="http://schemas.microsoft.com/office/powerpoint/2010/main" val="851604463"/>
       </p:ext>
     </p:extLst>
   </p:cSld>
@@ -5497,7 +7179,6 @@
               <a:rPr lang="en-US" altLang="zh-CN" i="1" dirty="0" smtClean="0"/>
               <a:t>Interpretability vs. Completeness</a:t>
             </a:r>
-            <a:endParaRPr lang="en-US" altLang="zh-CN" i="1" dirty="0" smtClean="0"/>
           </a:p>
         </p:txBody>
       </p:sp>
@@ -5619,8 +7300,16 @@
               <a:t>a system </a:t>
             </a:r>
             <a:r>
-              <a:rPr lang="en-US" altLang="zh-CN" dirty="0"/>
-              <a:t>in an accurate way.</a:t>
+              <a:rPr lang="en-US" altLang="zh-CN" dirty="0">
+                <a:solidFill>
+                  <a:srgbClr val="FF0000"/>
+                </a:solidFill>
+              </a:rPr>
+              <a:t>in an accurate way</a:t>
+            </a:r>
+            <a:r>
+              <a:rPr lang="en-US" altLang="zh-CN" dirty="0"/>
+              <a:t>.</a:t>
             </a:r>
             <a:endParaRPr lang="zh-CN" altLang="en-US" dirty="0"/>
           </a:p>
@@ -6113,4 +7802,265 @@
     </a:ext>
   </a:extLst>
 </a:theme>
+</file>
+
+<file path=ppt/theme/theme2.xml><?xml version="1.0" encoding="utf-8"?>
+<a:theme xmlns:a="http://schemas.openxmlformats.org/drawingml/2006/main" name="Office 主题​​">
+  <a:themeElements>
+    <a:clrScheme name="Office">
+      <a:dk1>
+        <a:sysClr val="windowText" lastClr="000000"/>
+      </a:dk1>
+      <a:lt1>
+        <a:sysClr val="window" lastClr="FFFFFF"/>
+      </a:lt1>
+      <a:dk2>
+        <a:srgbClr val="44546A"/>
+      </a:dk2>
+      <a:lt2>
+        <a:srgbClr val="E7E6E6"/>
+      </a:lt2>
+      <a:accent1>
+        <a:srgbClr val="5B9BD5"/>
+      </a:accent1>
+      <a:accent2>
+        <a:srgbClr val="ED7D31"/>
+      </a:accent2>
+      <a:accent3>
+        <a:srgbClr val="A5A5A5"/>
+      </a:accent3>
+      <a:accent4>
+        <a:srgbClr val="FFC000"/>
+      </a:accent4>
+      <a:accent5>
+        <a:srgbClr val="4472C4"/>
+      </a:accent5>
+      <a:accent6>
+        <a:srgbClr val="70AD47"/>
+      </a:accent6>
+      <a:hlink>
+        <a:srgbClr val="0563C1"/>
+      </a:hlink>
+      <a:folHlink>
+        <a:srgbClr val="954F72"/>
+      </a:folHlink>
+    </a:clrScheme>
+    <a:fontScheme name="Office">
+      <a:majorFont>
+        <a:latin typeface="等线 Light" panose="020F0302020204030204"/>
+        <a:ea typeface=""/>
+        <a:cs typeface=""/>
+        <a:font script="Jpan" typeface="游ゴシック Light"/>
+        <a:font script="Hang" typeface="맑은 고딕"/>
+        <a:font script="Hans" typeface="等线 Light"/>
+        <a:font script="Hant" typeface="新細明體"/>
+        <a:font script="Arab" typeface="Times New Roman"/>
+        <a:font script="Hebr" typeface="Times New Roman"/>
+        <a:font script="Thai" typeface="Angsana New"/>
+        <a:font script="Ethi" typeface="Nyala"/>
+        <a:font script="Beng" typeface="Vrinda"/>
+        <a:font script="Gujr" typeface="Shruti"/>
+        <a:font script="Khmr" typeface="MoolBoran"/>
+        <a:font script="Knda" typeface="Tunga"/>
+        <a:font script="Guru" typeface="Raavi"/>
+        <a:font script="Cans" typeface="Euphemia"/>
+        <a:font script="Cher" typeface="Plantagenet Cherokee"/>
+        <a:font script="Yiii" typeface="Microsoft Yi Baiti"/>
+        <a:font script="Tibt" typeface="Microsoft Himalaya"/>
+        <a:font script="Thaa" typeface="MV Boli"/>
+        <a:font script="Deva" typeface="Mangal"/>
+        <a:font script="Telu" typeface="Gautami"/>
+        <a:font script="Taml" typeface="Latha"/>
+        <a:font script="Syrc" typeface="Estrangelo Edessa"/>
+        <a:font script="Orya" typeface="Kalinga"/>
+        <a:font script="Mlym" typeface="Kartika"/>
+        <a:font script="Laoo" typeface="DokChampa"/>
+        <a:font script="Sinh" typeface="Iskoola Pota"/>
+        <a:font script="Mong" typeface="Mongolian Baiti"/>
+        <a:font script="Viet" typeface="Times New Roman"/>
+        <a:font script="Uigh" typeface="Microsoft Uighur"/>
+        <a:font script="Geor" typeface="Sylfaen"/>
+      </a:majorFont>
+      <a:minorFont>
+        <a:latin typeface="等线" panose="020F0502020204030204"/>
+        <a:ea typeface=""/>
+        <a:cs typeface=""/>
+        <a:font script="Jpan" typeface="游ゴシック"/>
+        <a:font script="Hang" typeface="맑은 고딕"/>
+        <a:font script="Hans" typeface="等线"/>
+        <a:font script="Hant" typeface="新細明體"/>
+        <a:font script="Arab" typeface="Arial"/>
+        <a:font script="Hebr" typeface="Arial"/>
+        <a:font script="Thai" typeface="Cordia New"/>
+        <a:font script="Ethi" typeface="Nyala"/>
+        <a:font script="Beng" typeface="Vrinda"/>
+        <a:font script="Gujr" typeface="Shruti"/>
+        <a:font script="Khmr" typeface="DaunPenh"/>
+        <a:font script="Knda" typeface="Tunga"/>
+        <a:font script="Guru" typeface="Raavi"/>
+        <a:font script="Cans" typeface="Euphemia"/>
+        <a:font script="Cher" typeface="Plantagenet Cherokee"/>
+        <a:font script="Yiii" typeface="Microsoft Yi Baiti"/>
+        <a:font script="Tibt" typeface="Microsoft Himalaya"/>
+        <a:font script="Thaa" typeface="MV Boli"/>
+        <a:font script="Deva" typeface="Mangal"/>
+        <a:font script="Telu" typeface="Gautami"/>
+        <a:font script="Taml" typeface="Latha"/>
+        <a:font script="Syrc" typeface="Estrangelo Edessa"/>
+        <a:font script="Orya" typeface="Kalinga"/>
+        <a:font script="Mlym" typeface="Kartika"/>
+        <a:font script="Laoo" typeface="DokChampa"/>
+        <a:font script="Sinh" typeface="Iskoola Pota"/>
+        <a:font script="Mong" typeface="Mongolian Baiti"/>
+        <a:font script="Viet" typeface="Arial"/>
+        <a:font script="Uigh" typeface="Microsoft Uighur"/>
+        <a:font script="Geor" typeface="Sylfaen"/>
+      </a:minorFont>
+    </a:fontScheme>
+    <a:fmtScheme name="Office">
+      <a:fillStyleLst>
+        <a:solidFill>
+          <a:schemeClr val="phClr"/>
+        </a:solidFill>
+        <a:gradFill rotWithShape="1">
+          <a:gsLst>
+            <a:gs pos="0">
+              <a:schemeClr val="phClr">
+                <a:lumMod val="110000"/>
+                <a:satMod val="105000"/>
+                <a:tint val="67000"/>
+              </a:schemeClr>
+            </a:gs>
+            <a:gs pos="50000">
+              <a:schemeClr val="phClr">
+                <a:lumMod val="105000"/>
+                <a:satMod val="103000"/>
+                <a:tint val="73000"/>
+              </a:schemeClr>
+            </a:gs>
+            <a:gs pos="100000">
+              <a:schemeClr val="phClr">
+                <a:lumMod val="105000"/>
+                <a:satMod val="109000"/>
+                <a:tint val="81000"/>
+              </a:schemeClr>
+            </a:gs>
+          </a:gsLst>
+          <a:lin ang="5400000" scaled="0"/>
+        </a:gradFill>
+        <a:gradFill rotWithShape="1">
+          <a:gsLst>
+            <a:gs pos="0">
+              <a:schemeClr val="phClr">
+                <a:satMod val="103000"/>
+                <a:lumMod val="102000"/>
+                <a:tint val="94000"/>
+              </a:schemeClr>
+            </a:gs>
+            <a:gs pos="50000">
+              <a:schemeClr val="phClr">
+                <a:satMod val="110000"/>
+                <a:lumMod val="100000"/>
+                <a:shade val="100000"/>
+              </a:schemeClr>
+            </a:gs>
+            <a:gs pos="100000">
+              <a:schemeClr val="phClr">
+                <a:lumMod val="99000"/>
+                <a:satMod val="120000"/>
+                <a:shade val="78000"/>
+              </a:schemeClr>
+            </a:gs>
+          </a:gsLst>
+          <a:lin ang="5400000" scaled="0"/>
+        </a:gradFill>
+      </a:fillStyleLst>
+      <a:lnStyleLst>
+        <a:ln w="6350" cap="flat" cmpd="sng" algn="ctr">
+          <a:solidFill>
+            <a:schemeClr val="phClr"/>
+          </a:solidFill>
+          <a:prstDash val="solid"/>
+          <a:miter lim="800000"/>
+        </a:ln>
+        <a:ln w="12700" cap="flat" cmpd="sng" algn="ctr">
+          <a:solidFill>
+            <a:schemeClr val="phClr"/>
+          </a:solidFill>
+          <a:prstDash val="solid"/>
+          <a:miter lim="800000"/>
+        </a:ln>
+        <a:ln w="19050" cap="flat" cmpd="sng" algn="ctr">
+          <a:solidFill>
+            <a:schemeClr val="phClr"/>
+          </a:solidFill>
+          <a:prstDash val="solid"/>
+          <a:miter lim="800000"/>
+        </a:ln>
+      </a:lnStyleLst>
+      <a:effectStyleLst>
+        <a:effectStyle>
+          <a:effectLst/>
+        </a:effectStyle>
+        <a:effectStyle>
+          <a:effectLst/>
+        </a:effectStyle>
+        <a:effectStyle>
+          <a:effectLst>
+            <a:outerShdw blurRad="57150" dist="19050" dir="5400000" algn="ctr" rotWithShape="0">
+              <a:srgbClr val="000000">
+                <a:alpha val="63000"/>
+              </a:srgbClr>
+            </a:outerShdw>
+          </a:effectLst>
+        </a:effectStyle>
+      </a:effectStyleLst>
+      <a:bgFillStyleLst>
+        <a:solidFill>
+          <a:schemeClr val="phClr"/>
+        </a:solidFill>
+        <a:solidFill>
+          <a:schemeClr val="phClr">
+            <a:tint val="95000"/>
+            <a:satMod val="170000"/>
+          </a:schemeClr>
+        </a:solidFill>
+        <a:gradFill rotWithShape="1">
+          <a:gsLst>
+            <a:gs pos="0">
+              <a:schemeClr val="phClr">
+                <a:tint val="93000"/>
+                <a:satMod val="150000"/>
+                <a:shade val="98000"/>
+                <a:lumMod val="102000"/>
+              </a:schemeClr>
+            </a:gs>
+            <a:gs pos="50000">
+              <a:schemeClr val="phClr">
+                <a:tint val="98000"/>
+                <a:satMod val="130000"/>
+                <a:shade val="90000"/>
+                <a:lumMod val="103000"/>
+              </a:schemeClr>
+            </a:gs>
+            <a:gs pos="100000">
+              <a:schemeClr val="phClr">
+                <a:shade val="63000"/>
+                <a:satMod val="120000"/>
+              </a:schemeClr>
+            </a:gs>
+          </a:gsLst>
+          <a:lin ang="5400000" scaled="0"/>
+        </a:gradFill>
+      </a:bgFillStyleLst>
+    </a:fmtScheme>
+  </a:themeElements>
+  <a:objectDefaults/>
+  <a:extraClrSchemeLst/>
+  <a:extLst>
+    <a:ext uri="{05A4C25C-085E-4340-85A3-A5531E510DB2}">
+      <thm15:themeFamily xmlns:thm15="http://schemas.microsoft.com/office/thememl/2012/main" name="Office Theme" id="{62F939B6-93AF-4DB8-9C6B-D6C7DFDC589F}" vid="{4A3C46E8-61CC-4603-A589-7422A47A8E4A}"/>
+    </a:ext>
+  </a:extLst>
+</a:theme>
 </file>